--- a/src/main/doc/SpringCloudGateway框架分析-周国宝.pptx
+++ b/src/main/doc/SpringCloudGateway框架分析-周国宝.pptx
@@ -5,44 +5,46 @@
     <p:sldMasterId id="2147483648" r:id="rId1"/>
   </p:sldMasterIdLst>
   <p:notesMasterIdLst>
-    <p:notesMasterId r:id="rId34"/>
+    <p:notesMasterId r:id="rId4"/>
   </p:notesMasterIdLst>
   <p:handoutMasterIdLst>
-    <p:handoutMasterId r:id="rId35"/>
+    <p:handoutMasterId r:id="rId38"/>
   </p:handoutMasterIdLst>
   <p:sldIdLst>
-    <p:sldId id="317" r:id="rId2"/>
-    <p:sldId id="264" r:id="rId3"/>
-    <p:sldId id="259" r:id="rId4"/>
-    <p:sldId id="378" r:id="rId5"/>
-    <p:sldId id="379" r:id="rId6"/>
-    <p:sldId id="388" r:id="rId7"/>
-    <p:sldId id="385" r:id="rId8"/>
-    <p:sldId id="386" r:id="rId9"/>
-    <p:sldId id="390" r:id="rId10"/>
-    <p:sldId id="389" r:id="rId11"/>
-    <p:sldId id="387" r:id="rId12"/>
-    <p:sldId id="391" r:id="rId13"/>
-    <p:sldId id="395" r:id="rId14"/>
-    <p:sldId id="397" r:id="rId15"/>
-    <p:sldId id="394" r:id="rId16"/>
-    <p:sldId id="398" r:id="rId17"/>
-    <p:sldId id="399" r:id="rId18"/>
-    <p:sldId id="400" r:id="rId19"/>
-    <p:sldId id="402" r:id="rId20"/>
-    <p:sldId id="403" r:id="rId21"/>
-    <p:sldId id="404" r:id="rId22"/>
-    <p:sldId id="405" r:id="rId23"/>
-    <p:sldId id="406" r:id="rId24"/>
-    <p:sldId id="401" r:id="rId25"/>
-    <p:sldId id="409" r:id="rId26"/>
-    <p:sldId id="410" r:id="rId27"/>
-    <p:sldId id="411" r:id="rId28"/>
-    <p:sldId id="412" r:id="rId29"/>
-    <p:sldId id="413" r:id="rId30"/>
-    <p:sldId id="414" r:id="rId31"/>
-    <p:sldId id="415" r:id="rId32"/>
-    <p:sldId id="377" r:id="rId33"/>
+    <p:sldId id="317" r:id="rId3"/>
+    <p:sldId id="264" r:id="rId5"/>
+    <p:sldId id="259" r:id="rId6"/>
+    <p:sldId id="378" r:id="rId7"/>
+    <p:sldId id="379" r:id="rId8"/>
+    <p:sldId id="388" r:id="rId9"/>
+    <p:sldId id="385" r:id="rId10"/>
+    <p:sldId id="386" r:id="rId11"/>
+    <p:sldId id="390" r:id="rId12"/>
+    <p:sldId id="389" r:id="rId13"/>
+    <p:sldId id="387" r:id="rId14"/>
+    <p:sldId id="391" r:id="rId15"/>
+    <p:sldId id="395" r:id="rId16"/>
+    <p:sldId id="397" r:id="rId17"/>
+    <p:sldId id="394" r:id="rId18"/>
+    <p:sldId id="398" r:id="rId19"/>
+    <p:sldId id="399" r:id="rId20"/>
+    <p:sldId id="400" r:id="rId21"/>
+    <p:sldId id="402" r:id="rId22"/>
+    <p:sldId id="403" r:id="rId23"/>
+    <p:sldId id="404" r:id="rId24"/>
+    <p:sldId id="405" r:id="rId25"/>
+    <p:sldId id="406" r:id="rId26"/>
+    <p:sldId id="401" r:id="rId27"/>
+    <p:sldId id="409" r:id="rId28"/>
+    <p:sldId id="410" r:id="rId29"/>
+    <p:sldId id="411" r:id="rId30"/>
+    <p:sldId id="412" r:id="rId31"/>
+    <p:sldId id="413" r:id="rId32"/>
+    <p:sldId id="414" r:id="rId33"/>
+    <p:sldId id="415" r:id="rId34"/>
+    <p:sldId id="417" r:id="rId35"/>
+    <p:sldId id="418" r:id="rId36"/>
+    <p:sldId id="377" r:id="rId37"/>
   </p:sldIdLst>
   <p:sldSz cx="9144000" cy="5143500" type="screen16x9"/>
   <p:notesSz cx="6858000" cy="9144000"/>
@@ -141,36 +143,6 @@
       </a:defRPr>
     </a:lvl9pPr>
   </p:defaultTextStyle>
-  <p:extLst>
-    <p:ext uri="{EFAFB233-063F-42B5-8137-9DF3F51BA10A}">
-      <p15:sldGuideLst xmlns:p15="http://schemas.microsoft.com/office/powerpoint/2012/main">
-        <p15:guide id="1" orient="horz" pos="1620">
-          <p15:clr>
-            <a:srgbClr val="A4A3A4"/>
-          </p15:clr>
-        </p15:guide>
-        <p15:guide id="2" pos="2880">
-          <p15:clr>
-            <a:srgbClr val="A4A3A4"/>
-          </p15:clr>
-        </p15:guide>
-      </p15:sldGuideLst>
-    </p:ext>
-    <p:ext uri="{2D200454-40CA-4A62-9FC3-DE9A4176ACB9}">
-      <p15:notesGuideLst xmlns:p15="http://schemas.microsoft.com/office/powerpoint/2012/main">
-        <p15:guide id="1" orient="horz" pos="2880">
-          <p15:clr>
-            <a:srgbClr val="A4A3A4"/>
-          </p15:clr>
-        </p15:guide>
-        <p15:guide id="2" pos="2160">
-          <p15:clr>
-            <a:srgbClr val="A4A3A4"/>
-          </p15:clr>
-        </p15:guide>
-      </p15:notesGuideLst>
-    </p:ext>
-  </p:extLst>
 </p:presentation>
 </file>
 
@@ -262,7 +234,6 @@
           <a:p>
             <a:fld id="{2353A075-29DF-4CAE-8BA7-CDA0ED456C88}" type="datetimeFigureOut">
               <a:rPr lang="zh-CN" altLang="en-US" smtClean="0"/>
-              <a:t>2018/9/29</a:t>
             </a:fld>
             <a:endParaRPr lang="zh-CN" altLang="en-US"/>
           </a:p>
@@ -328,18 +299,12 @@
           <a:p>
             <a:fld id="{3E3924EE-29F1-4E68-A53A-86CBCBDF827A}" type="slidenum">
               <a:rPr lang="zh-CN" altLang="en-US" smtClean="0"/>
-              <a:t>‹#›</a:t>
             </a:fld>
             <a:endParaRPr lang="zh-CN" altLang="en-US"/>
           </a:p>
         </p:txBody>
       </p:sp>
     </p:spTree>
-    <p:extLst>
-      <p:ext uri="{BB962C8B-B14F-4D97-AF65-F5344CB8AC3E}">
-        <p14:creationId xmlns:p14="http://schemas.microsoft.com/office/powerpoint/2010/main" val="3681908433"/>
-      </p:ext>
-    </p:extLst>
   </p:cSld>
   <p:clrMap bg1="lt1" tx1="dk1" bg2="lt2" tx2="dk2" accent1="accent1" accent2="accent2" accent3="accent3" accent4="accent4" accent5="accent5" accent6="accent6" hlink="hlink" folHlink="folHlink"/>
 </p:handoutMaster>
@@ -427,7 +392,6 @@
           <a:p>
             <a:fld id="{6A2B73EA-EE91-4E33-A9C1-8BF5DD7139A2}" type="datetimeFigureOut">
               <a:rPr lang="zh-CN" altLang="en-US" smtClean="0"/>
-              <a:t>2018/9/29</a:t>
             </a:fld>
             <a:endParaRPr lang="zh-CN" altLang="en-US"/>
           </a:p>
@@ -494,6 +458,7 @@
               <a:rPr lang="zh-CN" altLang="en-US"/>
               <a:t>单击此处编辑母版文本样式</a:t>
             </a:r>
+            <a:endParaRPr lang="zh-CN" altLang="en-US"/>
           </a:p>
           <a:p>
             <a:pPr lvl="1"/>
@@ -501,6 +466,7 @@
               <a:rPr lang="zh-CN" altLang="en-US"/>
               <a:t>第二级</a:t>
             </a:r>
+            <a:endParaRPr lang="zh-CN" altLang="en-US"/>
           </a:p>
           <a:p>
             <a:pPr lvl="2"/>
@@ -508,6 +474,7 @@
               <a:rPr lang="zh-CN" altLang="en-US"/>
               <a:t>第三级</a:t>
             </a:r>
+            <a:endParaRPr lang="zh-CN" altLang="en-US"/>
           </a:p>
           <a:p>
             <a:pPr lvl="3"/>
@@ -515,6 +482,7 @@
               <a:rPr lang="zh-CN" altLang="en-US"/>
               <a:t>第四级</a:t>
             </a:r>
+            <a:endParaRPr lang="zh-CN" altLang="en-US"/>
           </a:p>
           <a:p>
             <a:pPr lvl="4"/>
@@ -522,6 +490,7 @@
               <a:rPr lang="zh-CN" altLang="en-US"/>
               <a:t>第五级</a:t>
             </a:r>
+            <a:endParaRPr lang="zh-CN" altLang="en-US"/>
           </a:p>
         </p:txBody>
       </p:sp>
@@ -585,18 +554,12 @@
           <a:p>
             <a:fld id="{7392B679-AE23-4750-8FB0-6513430B8953}" type="slidenum">
               <a:rPr lang="zh-CN" altLang="en-US" smtClean="0"/>
-              <a:t>‹#›</a:t>
             </a:fld>
             <a:endParaRPr lang="zh-CN" altLang="en-US"/>
           </a:p>
         </p:txBody>
       </p:sp>
     </p:spTree>
-    <p:extLst>
-      <p:ext uri="{BB962C8B-B14F-4D97-AF65-F5344CB8AC3E}">
-        <p14:creationId xmlns:p14="http://schemas.microsoft.com/office/powerpoint/2010/main" val="2438216300"/>
-      </p:ext>
-    </p:extLst>
   </p:cSld>
   <p:clrMap bg1="lt1" tx1="dk1" bg2="lt2" tx2="dk2" accent1="accent1" accent2="accent2" accent3="accent3" accent4="accent4" accent5="accent5" accent6="accent6" hlink="hlink" folHlink="folHlink"/>
   <p:notesStyle>
@@ -759,18 +722,12 @@
           <a:p>
             <a:fld id="{7392B679-AE23-4750-8FB0-6513430B8953}" type="slidenum">
               <a:rPr lang="zh-CN" altLang="en-US" smtClean="0"/>
-              <a:t>1</a:t>
             </a:fld>
             <a:endParaRPr lang="zh-CN" altLang="en-US"/>
           </a:p>
         </p:txBody>
       </p:sp>
     </p:spTree>
-    <p:extLst>
-      <p:ext uri="{BB962C8B-B14F-4D97-AF65-F5344CB8AC3E}">
-        <p14:creationId xmlns:p14="http://schemas.microsoft.com/office/powerpoint/2010/main" val="63069760"/>
-      </p:ext>
-    </p:extLst>
   </p:cSld>
   <p:clrMapOvr>
     <a:masterClrMapping/>
@@ -843,18 +800,12 @@
           <a:p>
             <a:fld id="{7392B679-AE23-4750-8FB0-6513430B8953}" type="slidenum">
               <a:rPr lang="zh-CN" altLang="en-US" smtClean="0"/>
-              <a:t>10</a:t>
             </a:fld>
             <a:endParaRPr lang="zh-CN" altLang="en-US"/>
           </a:p>
         </p:txBody>
       </p:sp>
     </p:spTree>
-    <p:extLst>
-      <p:ext uri="{BB962C8B-B14F-4D97-AF65-F5344CB8AC3E}">
-        <p14:creationId xmlns:p14="http://schemas.microsoft.com/office/powerpoint/2010/main" val="3927436663"/>
-      </p:ext>
-    </p:extLst>
   </p:cSld>
   <p:clrMapOvr>
     <a:masterClrMapping/>
@@ -927,18 +878,12 @@
           <a:p>
             <a:fld id="{7392B679-AE23-4750-8FB0-6513430B8953}" type="slidenum">
               <a:rPr lang="zh-CN" altLang="en-US" smtClean="0"/>
-              <a:t>11</a:t>
             </a:fld>
             <a:endParaRPr lang="zh-CN" altLang="en-US"/>
           </a:p>
         </p:txBody>
       </p:sp>
     </p:spTree>
-    <p:extLst>
-      <p:ext uri="{BB962C8B-B14F-4D97-AF65-F5344CB8AC3E}">
-        <p14:creationId xmlns:p14="http://schemas.microsoft.com/office/powerpoint/2010/main" val="3403035"/>
-      </p:ext>
-    </p:extLst>
   </p:cSld>
   <p:clrMapOvr>
     <a:masterClrMapping/>
@@ -1011,18 +956,12 @@
           <a:p>
             <a:fld id="{7392B679-AE23-4750-8FB0-6513430B8953}" type="slidenum">
               <a:rPr lang="zh-CN" altLang="en-US" smtClean="0"/>
-              <a:t>12</a:t>
             </a:fld>
             <a:endParaRPr lang="zh-CN" altLang="en-US"/>
           </a:p>
         </p:txBody>
       </p:sp>
     </p:spTree>
-    <p:extLst>
-      <p:ext uri="{BB962C8B-B14F-4D97-AF65-F5344CB8AC3E}">
-        <p14:creationId xmlns:p14="http://schemas.microsoft.com/office/powerpoint/2010/main" val="2476552197"/>
-      </p:ext>
-    </p:extLst>
   </p:cSld>
   <p:clrMapOvr>
     <a:masterClrMapping/>
@@ -1095,18 +1034,12 @@
           <a:p>
             <a:fld id="{7392B679-AE23-4750-8FB0-6513430B8953}" type="slidenum">
               <a:rPr lang="zh-CN" altLang="en-US" smtClean="0"/>
-              <a:t>13</a:t>
             </a:fld>
             <a:endParaRPr lang="zh-CN" altLang="en-US"/>
           </a:p>
         </p:txBody>
       </p:sp>
     </p:spTree>
-    <p:extLst>
-      <p:ext uri="{BB962C8B-B14F-4D97-AF65-F5344CB8AC3E}">
-        <p14:creationId xmlns:p14="http://schemas.microsoft.com/office/powerpoint/2010/main" val="3442993214"/>
-      </p:ext>
-    </p:extLst>
   </p:cSld>
   <p:clrMapOvr>
     <a:masterClrMapping/>
@@ -1179,18 +1112,12 @@
           <a:p>
             <a:fld id="{7392B679-AE23-4750-8FB0-6513430B8953}" type="slidenum">
               <a:rPr lang="zh-CN" altLang="en-US" smtClean="0"/>
-              <a:t>14</a:t>
             </a:fld>
             <a:endParaRPr lang="zh-CN" altLang="en-US"/>
           </a:p>
         </p:txBody>
       </p:sp>
     </p:spTree>
-    <p:extLst>
-      <p:ext uri="{BB962C8B-B14F-4D97-AF65-F5344CB8AC3E}">
-        <p14:creationId xmlns:p14="http://schemas.microsoft.com/office/powerpoint/2010/main" val="3402325194"/>
-      </p:ext>
-    </p:extLst>
   </p:cSld>
   <p:clrMapOvr>
     <a:masterClrMapping/>
@@ -1263,18 +1190,12 @@
           <a:p>
             <a:fld id="{7392B679-AE23-4750-8FB0-6513430B8953}" type="slidenum">
               <a:rPr lang="zh-CN" altLang="en-US" smtClean="0"/>
-              <a:t>15</a:t>
             </a:fld>
             <a:endParaRPr lang="zh-CN" altLang="en-US"/>
           </a:p>
         </p:txBody>
       </p:sp>
     </p:spTree>
-    <p:extLst>
-      <p:ext uri="{BB962C8B-B14F-4D97-AF65-F5344CB8AC3E}">
-        <p14:creationId xmlns:p14="http://schemas.microsoft.com/office/powerpoint/2010/main" val="3518746635"/>
-      </p:ext>
-    </p:extLst>
   </p:cSld>
   <p:clrMapOvr>
     <a:masterClrMapping/>
@@ -1347,18 +1268,12 @@
           <a:p>
             <a:fld id="{7392B679-AE23-4750-8FB0-6513430B8953}" type="slidenum">
               <a:rPr lang="zh-CN" altLang="en-US" smtClean="0"/>
-              <a:t>16</a:t>
             </a:fld>
             <a:endParaRPr lang="zh-CN" altLang="en-US"/>
           </a:p>
         </p:txBody>
       </p:sp>
     </p:spTree>
-    <p:extLst>
-      <p:ext uri="{BB962C8B-B14F-4D97-AF65-F5344CB8AC3E}">
-        <p14:creationId xmlns:p14="http://schemas.microsoft.com/office/powerpoint/2010/main" val="3694728616"/>
-      </p:ext>
-    </p:extLst>
   </p:cSld>
   <p:clrMapOvr>
     <a:masterClrMapping/>
@@ -1431,18 +1346,12 @@
           <a:p>
             <a:fld id="{7392B679-AE23-4750-8FB0-6513430B8953}" type="slidenum">
               <a:rPr lang="zh-CN" altLang="en-US" smtClean="0"/>
-              <a:t>17</a:t>
             </a:fld>
             <a:endParaRPr lang="zh-CN" altLang="en-US"/>
           </a:p>
         </p:txBody>
       </p:sp>
     </p:spTree>
-    <p:extLst>
-      <p:ext uri="{BB962C8B-B14F-4D97-AF65-F5344CB8AC3E}">
-        <p14:creationId xmlns:p14="http://schemas.microsoft.com/office/powerpoint/2010/main" val="474635217"/>
-      </p:ext>
-    </p:extLst>
   </p:cSld>
   <p:clrMapOvr>
     <a:masterClrMapping/>
@@ -1515,18 +1424,12 @@
           <a:p>
             <a:fld id="{7392B679-AE23-4750-8FB0-6513430B8953}" type="slidenum">
               <a:rPr lang="zh-CN" altLang="en-US" smtClean="0"/>
-              <a:t>18</a:t>
             </a:fld>
             <a:endParaRPr lang="zh-CN" altLang="en-US"/>
           </a:p>
         </p:txBody>
       </p:sp>
     </p:spTree>
-    <p:extLst>
-      <p:ext uri="{BB962C8B-B14F-4D97-AF65-F5344CB8AC3E}">
-        <p14:creationId xmlns:p14="http://schemas.microsoft.com/office/powerpoint/2010/main" val="515294471"/>
-      </p:ext>
-    </p:extLst>
   </p:cSld>
   <p:clrMapOvr>
     <a:masterClrMapping/>
@@ -1599,18 +1502,12 @@
           <a:p>
             <a:fld id="{7392B679-AE23-4750-8FB0-6513430B8953}" type="slidenum">
               <a:rPr lang="zh-CN" altLang="en-US" smtClean="0"/>
-              <a:t>19</a:t>
             </a:fld>
             <a:endParaRPr lang="zh-CN" altLang="en-US"/>
           </a:p>
         </p:txBody>
       </p:sp>
     </p:spTree>
-    <p:extLst>
-      <p:ext uri="{BB962C8B-B14F-4D97-AF65-F5344CB8AC3E}">
-        <p14:creationId xmlns:p14="http://schemas.microsoft.com/office/powerpoint/2010/main" val="685415674"/>
-      </p:ext>
-    </p:extLst>
   </p:cSld>
   <p:clrMapOvr>
     <a:masterClrMapping/>
@@ -1683,18 +1580,12 @@
           <a:p>
             <a:fld id="{7392B679-AE23-4750-8FB0-6513430B8953}" type="slidenum">
               <a:rPr lang="zh-CN" altLang="en-US" smtClean="0"/>
-              <a:t>2</a:t>
             </a:fld>
             <a:endParaRPr lang="zh-CN" altLang="en-US"/>
           </a:p>
         </p:txBody>
       </p:sp>
     </p:spTree>
-    <p:extLst>
-      <p:ext uri="{BB962C8B-B14F-4D97-AF65-F5344CB8AC3E}">
-        <p14:creationId xmlns:p14="http://schemas.microsoft.com/office/powerpoint/2010/main" val="1228272977"/>
-      </p:ext>
-    </p:extLst>
   </p:cSld>
   <p:clrMapOvr>
     <a:masterClrMapping/>
@@ -1767,18 +1658,12 @@
           <a:p>
             <a:fld id="{7392B679-AE23-4750-8FB0-6513430B8953}" type="slidenum">
               <a:rPr lang="zh-CN" altLang="en-US" smtClean="0"/>
-              <a:t>20</a:t>
             </a:fld>
             <a:endParaRPr lang="zh-CN" altLang="en-US"/>
           </a:p>
         </p:txBody>
       </p:sp>
     </p:spTree>
-    <p:extLst>
-      <p:ext uri="{BB962C8B-B14F-4D97-AF65-F5344CB8AC3E}">
-        <p14:creationId xmlns:p14="http://schemas.microsoft.com/office/powerpoint/2010/main" val="3132108664"/>
-      </p:ext>
-    </p:extLst>
   </p:cSld>
   <p:clrMapOvr>
     <a:masterClrMapping/>
@@ -1851,18 +1736,12 @@
           <a:p>
             <a:fld id="{7392B679-AE23-4750-8FB0-6513430B8953}" type="slidenum">
               <a:rPr lang="zh-CN" altLang="en-US" smtClean="0"/>
-              <a:t>21</a:t>
             </a:fld>
             <a:endParaRPr lang="zh-CN" altLang="en-US"/>
           </a:p>
         </p:txBody>
       </p:sp>
     </p:spTree>
-    <p:extLst>
-      <p:ext uri="{BB962C8B-B14F-4D97-AF65-F5344CB8AC3E}">
-        <p14:creationId xmlns:p14="http://schemas.microsoft.com/office/powerpoint/2010/main" val="2455030114"/>
-      </p:ext>
-    </p:extLst>
   </p:cSld>
   <p:clrMapOvr>
     <a:masterClrMapping/>
@@ -1935,18 +1814,12 @@
           <a:p>
             <a:fld id="{7392B679-AE23-4750-8FB0-6513430B8953}" type="slidenum">
               <a:rPr lang="zh-CN" altLang="en-US" smtClean="0"/>
-              <a:t>22</a:t>
             </a:fld>
             <a:endParaRPr lang="zh-CN" altLang="en-US"/>
           </a:p>
         </p:txBody>
       </p:sp>
     </p:spTree>
-    <p:extLst>
-      <p:ext uri="{BB962C8B-B14F-4D97-AF65-F5344CB8AC3E}">
-        <p14:creationId xmlns:p14="http://schemas.microsoft.com/office/powerpoint/2010/main" val="799303394"/>
-      </p:ext>
-    </p:extLst>
   </p:cSld>
   <p:clrMapOvr>
     <a:masterClrMapping/>
@@ -2019,18 +1892,12 @@
           <a:p>
             <a:fld id="{7392B679-AE23-4750-8FB0-6513430B8953}" type="slidenum">
               <a:rPr lang="zh-CN" altLang="en-US" smtClean="0"/>
-              <a:t>23</a:t>
             </a:fld>
             <a:endParaRPr lang="zh-CN" altLang="en-US"/>
           </a:p>
         </p:txBody>
       </p:sp>
     </p:spTree>
-    <p:extLst>
-      <p:ext uri="{BB962C8B-B14F-4D97-AF65-F5344CB8AC3E}">
-        <p14:creationId xmlns:p14="http://schemas.microsoft.com/office/powerpoint/2010/main" val="3314357938"/>
-      </p:ext>
-    </p:extLst>
   </p:cSld>
   <p:clrMapOvr>
     <a:masterClrMapping/>
@@ -2103,18 +1970,12 @@
           <a:p>
             <a:fld id="{7392B679-AE23-4750-8FB0-6513430B8953}" type="slidenum">
               <a:rPr lang="zh-CN" altLang="en-US" smtClean="0"/>
-              <a:t>24</a:t>
             </a:fld>
             <a:endParaRPr lang="zh-CN" altLang="en-US"/>
           </a:p>
         </p:txBody>
       </p:sp>
     </p:spTree>
-    <p:extLst>
-      <p:ext uri="{BB962C8B-B14F-4D97-AF65-F5344CB8AC3E}">
-        <p14:creationId xmlns:p14="http://schemas.microsoft.com/office/powerpoint/2010/main" val="639521646"/>
-      </p:ext>
-    </p:extLst>
   </p:cSld>
   <p:clrMapOvr>
     <a:masterClrMapping/>
@@ -2187,18 +2048,12 @@
           <a:p>
             <a:fld id="{7392B679-AE23-4750-8FB0-6513430B8953}" type="slidenum">
               <a:rPr lang="zh-CN" altLang="en-US" smtClean="0"/>
-              <a:t>25</a:t>
             </a:fld>
             <a:endParaRPr lang="zh-CN" altLang="en-US"/>
           </a:p>
         </p:txBody>
       </p:sp>
     </p:spTree>
-    <p:extLst>
-      <p:ext uri="{BB962C8B-B14F-4D97-AF65-F5344CB8AC3E}">
-        <p14:creationId xmlns:p14="http://schemas.microsoft.com/office/powerpoint/2010/main" val="2446650079"/>
-      </p:ext>
-    </p:extLst>
   </p:cSld>
   <p:clrMapOvr>
     <a:masterClrMapping/>
@@ -2271,18 +2126,12 @@
           <a:p>
             <a:fld id="{7392B679-AE23-4750-8FB0-6513430B8953}" type="slidenum">
               <a:rPr lang="zh-CN" altLang="en-US" smtClean="0"/>
-              <a:t>26</a:t>
             </a:fld>
             <a:endParaRPr lang="zh-CN" altLang="en-US"/>
           </a:p>
         </p:txBody>
       </p:sp>
     </p:spTree>
-    <p:extLst>
-      <p:ext uri="{BB962C8B-B14F-4D97-AF65-F5344CB8AC3E}">
-        <p14:creationId xmlns:p14="http://schemas.microsoft.com/office/powerpoint/2010/main" val="22149615"/>
-      </p:ext>
-    </p:extLst>
   </p:cSld>
   <p:clrMapOvr>
     <a:masterClrMapping/>
@@ -2355,18 +2204,12 @@
           <a:p>
             <a:fld id="{7392B679-AE23-4750-8FB0-6513430B8953}" type="slidenum">
               <a:rPr lang="zh-CN" altLang="en-US" smtClean="0"/>
-              <a:t>27</a:t>
             </a:fld>
             <a:endParaRPr lang="zh-CN" altLang="en-US"/>
           </a:p>
         </p:txBody>
       </p:sp>
     </p:spTree>
-    <p:extLst>
-      <p:ext uri="{BB962C8B-B14F-4D97-AF65-F5344CB8AC3E}">
-        <p14:creationId xmlns:p14="http://schemas.microsoft.com/office/powerpoint/2010/main" val="321803153"/>
-      </p:ext>
-    </p:extLst>
   </p:cSld>
   <p:clrMapOvr>
     <a:masterClrMapping/>
@@ -2439,18 +2282,12 @@
           <a:p>
             <a:fld id="{7392B679-AE23-4750-8FB0-6513430B8953}" type="slidenum">
               <a:rPr lang="zh-CN" altLang="en-US" smtClean="0"/>
-              <a:t>28</a:t>
             </a:fld>
             <a:endParaRPr lang="zh-CN" altLang="en-US"/>
           </a:p>
         </p:txBody>
       </p:sp>
     </p:spTree>
-    <p:extLst>
-      <p:ext uri="{BB962C8B-B14F-4D97-AF65-F5344CB8AC3E}">
-        <p14:creationId xmlns:p14="http://schemas.microsoft.com/office/powerpoint/2010/main" val="3216838918"/>
-      </p:ext>
-    </p:extLst>
   </p:cSld>
   <p:clrMapOvr>
     <a:masterClrMapping/>
@@ -2523,18 +2360,12 @@
           <a:p>
             <a:fld id="{7392B679-AE23-4750-8FB0-6513430B8953}" type="slidenum">
               <a:rPr lang="zh-CN" altLang="en-US" smtClean="0"/>
-              <a:t>29</a:t>
             </a:fld>
             <a:endParaRPr lang="zh-CN" altLang="en-US"/>
           </a:p>
         </p:txBody>
       </p:sp>
     </p:spTree>
-    <p:extLst>
-      <p:ext uri="{BB962C8B-B14F-4D97-AF65-F5344CB8AC3E}">
-        <p14:creationId xmlns:p14="http://schemas.microsoft.com/office/powerpoint/2010/main" val="3309608216"/>
-      </p:ext>
-    </p:extLst>
   </p:cSld>
   <p:clrMapOvr>
     <a:masterClrMapping/>
@@ -2607,18 +2438,12 @@
           <a:p>
             <a:fld id="{7392B679-AE23-4750-8FB0-6513430B8953}" type="slidenum">
               <a:rPr lang="zh-CN" altLang="en-US" smtClean="0"/>
-              <a:t>3</a:t>
             </a:fld>
             <a:endParaRPr lang="zh-CN" altLang="en-US"/>
           </a:p>
         </p:txBody>
       </p:sp>
     </p:spTree>
-    <p:extLst>
-      <p:ext uri="{BB962C8B-B14F-4D97-AF65-F5344CB8AC3E}">
-        <p14:creationId xmlns:p14="http://schemas.microsoft.com/office/powerpoint/2010/main" val="914848579"/>
-      </p:ext>
-    </p:extLst>
   </p:cSld>
   <p:clrMapOvr>
     <a:masterClrMapping/>
@@ -2691,18 +2516,12 @@
           <a:p>
             <a:fld id="{7392B679-AE23-4750-8FB0-6513430B8953}" type="slidenum">
               <a:rPr lang="zh-CN" altLang="en-US" smtClean="0"/>
-              <a:t>30</a:t>
             </a:fld>
             <a:endParaRPr lang="zh-CN" altLang="en-US"/>
           </a:p>
         </p:txBody>
       </p:sp>
     </p:spTree>
-    <p:extLst>
-      <p:ext uri="{BB962C8B-B14F-4D97-AF65-F5344CB8AC3E}">
-        <p14:creationId xmlns:p14="http://schemas.microsoft.com/office/powerpoint/2010/main" val="3970492452"/>
-      </p:ext>
-    </p:extLst>
   </p:cSld>
   <p:clrMapOvr>
     <a:masterClrMapping/>
@@ -2775,18 +2594,12 @@
           <a:p>
             <a:fld id="{7392B679-AE23-4750-8FB0-6513430B8953}" type="slidenum">
               <a:rPr lang="zh-CN" altLang="en-US" smtClean="0"/>
-              <a:t>31</a:t>
             </a:fld>
             <a:endParaRPr lang="zh-CN" altLang="en-US"/>
           </a:p>
         </p:txBody>
       </p:sp>
     </p:spTree>
-    <p:extLst>
-      <p:ext uri="{BB962C8B-B14F-4D97-AF65-F5344CB8AC3E}">
-        <p14:creationId xmlns:p14="http://schemas.microsoft.com/office/powerpoint/2010/main" val="3869071086"/>
-      </p:ext>
-    </p:extLst>
   </p:cSld>
   <p:clrMapOvr>
     <a:masterClrMapping/>
@@ -2859,18 +2672,168 @@
           <a:p>
             <a:fld id="{7392B679-AE23-4750-8FB0-6513430B8953}" type="slidenum">
               <a:rPr lang="zh-CN" altLang="en-US" smtClean="0"/>
-              <a:t>32</a:t>
             </a:fld>
             <a:endParaRPr lang="zh-CN" altLang="en-US"/>
           </a:p>
         </p:txBody>
       </p:sp>
     </p:spTree>
-    <p:extLst>
-      <p:ext uri="{BB962C8B-B14F-4D97-AF65-F5344CB8AC3E}">
-        <p14:creationId xmlns:p14="http://schemas.microsoft.com/office/powerpoint/2010/main" val="2039342011"/>
-      </p:ext>
-    </p:extLst>
+  </p:cSld>
+  <p:clrMapOvr>
+    <a:masterClrMapping/>
+  </p:clrMapOvr>
+</p:notes>
+</file>
+
+<file path=ppt/notesSlides/notesSlide33.xml><?xml version="1.0" encoding="utf-8"?>
+<p:notes xmlns:a="http://schemas.openxmlformats.org/drawingml/2006/main" xmlns:r="http://schemas.openxmlformats.org/officeDocument/2006/relationships" xmlns:p="http://schemas.openxmlformats.org/presentationml/2006/main">
+  <p:cSld>
+    <p:spTree>
+      <p:nvGrpSpPr>
+        <p:cNvPr id="1" name=""/>
+        <p:cNvGrpSpPr/>
+        <p:nvPr/>
+      </p:nvGrpSpPr>
+      <p:grpSpPr>
+        <a:xfrm>
+          <a:off x="0" y="0"/>
+          <a:ext cx="0" cy="0"/>
+          <a:chOff x="0" y="0"/>
+          <a:chExt cx="0" cy="0"/>
+        </a:xfrm>
+      </p:grpSpPr>
+      <p:sp>
+        <p:nvSpPr>
+          <p:cNvPr id="2" name="幻灯片图像占位符 1"/>
+          <p:cNvSpPr>
+            <a:spLocks noGrp="1" noRot="1" noChangeAspect="1"/>
+          </p:cNvSpPr>
+          <p:nvPr>
+            <p:ph type="sldImg"/>
+          </p:nvPr>
+        </p:nvSpPr>
+        <p:spPr/>
+      </p:sp>
+      <p:sp>
+        <p:nvSpPr>
+          <p:cNvPr id="3" name="备注占位符 2"/>
+          <p:cNvSpPr>
+            <a:spLocks noGrp="1"/>
+          </p:cNvSpPr>
+          <p:nvPr>
+            <p:ph type="body" idx="1"/>
+          </p:nvPr>
+        </p:nvSpPr>
+        <p:spPr/>
+        <p:txBody>
+          <a:bodyPr/>
+          <a:lstStyle/>
+          <a:p>
+            <a:endParaRPr lang="zh-CN" altLang="en-US"/>
+          </a:p>
+        </p:txBody>
+      </p:sp>
+      <p:sp>
+        <p:nvSpPr>
+          <p:cNvPr id="4" name="灯片编号占位符 3"/>
+          <p:cNvSpPr>
+            <a:spLocks noGrp="1"/>
+          </p:cNvSpPr>
+          <p:nvPr>
+            <p:ph type="sldNum" sz="quarter" idx="10"/>
+          </p:nvPr>
+        </p:nvSpPr>
+        <p:spPr/>
+        <p:txBody>
+          <a:bodyPr/>
+          <a:lstStyle/>
+          <a:p>
+            <a:fld id="{7392B679-AE23-4750-8FB0-6513430B8953}" type="slidenum">
+              <a:rPr lang="zh-CN" altLang="en-US" smtClean="0"/>
+            </a:fld>
+            <a:endParaRPr lang="zh-CN" altLang="en-US"/>
+          </a:p>
+        </p:txBody>
+      </p:sp>
+    </p:spTree>
+  </p:cSld>
+  <p:clrMapOvr>
+    <a:masterClrMapping/>
+  </p:clrMapOvr>
+</p:notes>
+</file>
+
+<file path=ppt/notesSlides/notesSlide34.xml><?xml version="1.0" encoding="utf-8"?>
+<p:notes xmlns:a="http://schemas.openxmlformats.org/drawingml/2006/main" xmlns:r="http://schemas.openxmlformats.org/officeDocument/2006/relationships" xmlns:p="http://schemas.openxmlformats.org/presentationml/2006/main">
+  <p:cSld>
+    <p:spTree>
+      <p:nvGrpSpPr>
+        <p:cNvPr id="1" name=""/>
+        <p:cNvGrpSpPr/>
+        <p:nvPr/>
+      </p:nvGrpSpPr>
+      <p:grpSpPr>
+        <a:xfrm>
+          <a:off x="0" y="0"/>
+          <a:ext cx="0" cy="0"/>
+          <a:chOff x="0" y="0"/>
+          <a:chExt cx="0" cy="0"/>
+        </a:xfrm>
+      </p:grpSpPr>
+      <p:sp>
+        <p:nvSpPr>
+          <p:cNvPr id="2" name="幻灯片图像占位符 1"/>
+          <p:cNvSpPr>
+            <a:spLocks noGrp="1" noRot="1" noChangeAspect="1"/>
+          </p:cNvSpPr>
+          <p:nvPr>
+            <p:ph type="sldImg"/>
+          </p:nvPr>
+        </p:nvSpPr>
+        <p:spPr/>
+      </p:sp>
+      <p:sp>
+        <p:nvSpPr>
+          <p:cNvPr id="3" name="备注占位符 2"/>
+          <p:cNvSpPr>
+            <a:spLocks noGrp="1"/>
+          </p:cNvSpPr>
+          <p:nvPr>
+            <p:ph type="body" idx="1"/>
+          </p:nvPr>
+        </p:nvSpPr>
+        <p:spPr/>
+        <p:txBody>
+          <a:bodyPr/>
+          <a:lstStyle/>
+          <a:p>
+            <a:endParaRPr lang="zh-CN" altLang="en-US"/>
+          </a:p>
+        </p:txBody>
+      </p:sp>
+      <p:sp>
+        <p:nvSpPr>
+          <p:cNvPr id="4" name="灯片编号占位符 3"/>
+          <p:cNvSpPr>
+            <a:spLocks noGrp="1"/>
+          </p:cNvSpPr>
+          <p:nvPr>
+            <p:ph type="sldNum" sz="quarter" idx="10"/>
+          </p:nvPr>
+        </p:nvSpPr>
+        <p:spPr/>
+        <p:txBody>
+          <a:bodyPr/>
+          <a:lstStyle/>
+          <a:p>
+            <a:fld id="{7392B679-AE23-4750-8FB0-6513430B8953}" type="slidenum">
+              <a:rPr lang="zh-CN" altLang="en-US" smtClean="0"/>
+            </a:fld>
+            <a:endParaRPr lang="zh-CN" altLang="en-US"/>
+          </a:p>
+        </p:txBody>
+      </p:sp>
+    </p:spTree>
   </p:cSld>
   <p:clrMapOvr>
     <a:masterClrMapping/>
@@ -2943,18 +2906,12 @@
           <a:p>
             <a:fld id="{7392B679-AE23-4750-8FB0-6513430B8953}" type="slidenum">
               <a:rPr lang="zh-CN" altLang="en-US" smtClean="0"/>
-              <a:t>4</a:t>
             </a:fld>
             <a:endParaRPr lang="zh-CN" altLang="en-US"/>
           </a:p>
         </p:txBody>
       </p:sp>
     </p:spTree>
-    <p:extLst>
-      <p:ext uri="{BB962C8B-B14F-4D97-AF65-F5344CB8AC3E}">
-        <p14:creationId xmlns:p14="http://schemas.microsoft.com/office/powerpoint/2010/main" val="489279999"/>
-      </p:ext>
-    </p:extLst>
   </p:cSld>
   <p:clrMapOvr>
     <a:masterClrMapping/>
@@ -3027,18 +2984,12 @@
           <a:p>
             <a:fld id="{7392B679-AE23-4750-8FB0-6513430B8953}" type="slidenum">
               <a:rPr lang="zh-CN" altLang="en-US" smtClean="0"/>
-              <a:t>5</a:t>
             </a:fld>
             <a:endParaRPr lang="zh-CN" altLang="en-US"/>
           </a:p>
         </p:txBody>
       </p:sp>
     </p:spTree>
-    <p:extLst>
-      <p:ext uri="{BB962C8B-B14F-4D97-AF65-F5344CB8AC3E}">
-        <p14:creationId xmlns:p14="http://schemas.microsoft.com/office/powerpoint/2010/main" val="1592271894"/>
-      </p:ext>
-    </p:extLst>
   </p:cSld>
   <p:clrMapOvr>
     <a:masterClrMapping/>
@@ -3111,18 +3062,12 @@
           <a:p>
             <a:fld id="{7392B679-AE23-4750-8FB0-6513430B8953}" type="slidenum">
               <a:rPr lang="zh-CN" altLang="en-US" smtClean="0"/>
-              <a:t>6</a:t>
             </a:fld>
             <a:endParaRPr lang="zh-CN" altLang="en-US"/>
           </a:p>
         </p:txBody>
       </p:sp>
     </p:spTree>
-    <p:extLst>
-      <p:ext uri="{BB962C8B-B14F-4D97-AF65-F5344CB8AC3E}">
-        <p14:creationId xmlns:p14="http://schemas.microsoft.com/office/powerpoint/2010/main" val="3161284773"/>
-      </p:ext>
-    </p:extLst>
   </p:cSld>
   <p:clrMapOvr>
     <a:masterClrMapping/>
@@ -3195,18 +3140,12 @@
           <a:p>
             <a:fld id="{7392B679-AE23-4750-8FB0-6513430B8953}" type="slidenum">
               <a:rPr lang="zh-CN" altLang="en-US" smtClean="0"/>
-              <a:t>7</a:t>
             </a:fld>
             <a:endParaRPr lang="zh-CN" altLang="en-US"/>
           </a:p>
         </p:txBody>
       </p:sp>
     </p:spTree>
-    <p:extLst>
-      <p:ext uri="{BB962C8B-B14F-4D97-AF65-F5344CB8AC3E}">
-        <p14:creationId xmlns:p14="http://schemas.microsoft.com/office/powerpoint/2010/main" val="1128001838"/>
-      </p:ext>
-    </p:extLst>
   </p:cSld>
   <p:clrMapOvr>
     <a:masterClrMapping/>
@@ -3279,18 +3218,12 @@
           <a:p>
             <a:fld id="{7392B679-AE23-4750-8FB0-6513430B8953}" type="slidenum">
               <a:rPr lang="zh-CN" altLang="en-US" smtClean="0"/>
-              <a:t>8</a:t>
             </a:fld>
             <a:endParaRPr lang="zh-CN" altLang="en-US"/>
           </a:p>
         </p:txBody>
       </p:sp>
     </p:spTree>
-    <p:extLst>
-      <p:ext uri="{BB962C8B-B14F-4D97-AF65-F5344CB8AC3E}">
-        <p14:creationId xmlns:p14="http://schemas.microsoft.com/office/powerpoint/2010/main" val="1425182104"/>
-      </p:ext>
-    </p:extLst>
   </p:cSld>
   <p:clrMapOvr>
     <a:masterClrMapping/>
@@ -3363,18 +3296,12 @@
           <a:p>
             <a:fld id="{7392B679-AE23-4750-8FB0-6513430B8953}" type="slidenum">
               <a:rPr lang="zh-CN" altLang="en-US" smtClean="0"/>
-              <a:t>9</a:t>
             </a:fld>
             <a:endParaRPr lang="zh-CN" altLang="en-US"/>
           </a:p>
         </p:txBody>
       </p:sp>
     </p:spTree>
-    <p:extLst>
-      <p:ext uri="{BB962C8B-B14F-4D97-AF65-F5344CB8AC3E}">
-        <p14:creationId xmlns:p14="http://schemas.microsoft.com/office/powerpoint/2010/main" val="3216252385"/>
-      </p:ext>
-    </p:extLst>
   </p:cSld>
   <p:clrMapOvr>
     <a:masterClrMapping/>
@@ -3423,6 +3350,7 @@
               <a:rPr lang="zh-CN" altLang="en-US"/>
               <a:t>单击此处编辑母版标题样式</a:t>
             </a:r>
+            <a:endParaRPr lang="zh-CN" altLang="en-US"/>
           </a:p>
         </p:txBody>
       </p:sp>
@@ -3541,6 +3469,7 @@
               <a:rPr lang="zh-CN" altLang="en-US"/>
               <a:t>单击此处编辑母版副标题样式</a:t>
             </a:r>
+            <a:endParaRPr lang="zh-CN" altLang="en-US"/>
           </a:p>
         </p:txBody>
       </p:sp>
@@ -3561,7 +3490,6 @@
           <a:p>
             <a:fld id="{530820CF-B880-4189-942D-D702A7CBA730}" type="datetimeFigureOut">
               <a:rPr lang="zh-CN" altLang="en-US" smtClean="0"/>
-              <a:t>2018/9/29</a:t>
             </a:fld>
             <a:endParaRPr lang="zh-CN" altLang="en-US"/>
           </a:p>
@@ -3603,7 +3531,6 @@
           <a:p>
             <a:fld id="{0C913308-F349-4B6D-A68A-DD1791B4A57B}" type="slidenum">
               <a:rPr lang="zh-CN" altLang="en-US" smtClean="0"/>
-              <a:t>‹#›</a:t>
             </a:fld>
             <a:endParaRPr lang="zh-CN" altLang="en-US"/>
           </a:p>
@@ -3662,6 +3589,7 @@
               <a:rPr lang="zh-CN" altLang="en-US"/>
               <a:t>单击此处编辑母版标题样式</a:t>
             </a:r>
+            <a:endParaRPr lang="zh-CN" altLang="en-US"/>
           </a:p>
         </p:txBody>
       </p:sp>
@@ -3718,6 +3646,7 @@
               <a:rPr lang="zh-CN" altLang="en-US"/>
               <a:t>单击此处编辑母版文本样式</a:t>
             </a:r>
+            <a:endParaRPr lang="zh-CN" altLang="en-US"/>
           </a:p>
           <a:p>
             <a:pPr lvl="1"/>
@@ -3725,6 +3654,7 @@
               <a:rPr lang="zh-CN" altLang="en-US"/>
               <a:t>第二级</a:t>
             </a:r>
+            <a:endParaRPr lang="zh-CN" altLang="en-US"/>
           </a:p>
           <a:p>
             <a:pPr lvl="2"/>
@@ -3732,6 +3662,7 @@
               <a:rPr lang="zh-CN" altLang="en-US"/>
               <a:t>第三级</a:t>
             </a:r>
+            <a:endParaRPr lang="zh-CN" altLang="en-US"/>
           </a:p>
           <a:p>
             <a:pPr lvl="3"/>
@@ -3739,6 +3670,7 @@
               <a:rPr lang="zh-CN" altLang="en-US"/>
               <a:t>第四级</a:t>
             </a:r>
+            <a:endParaRPr lang="zh-CN" altLang="en-US"/>
           </a:p>
           <a:p>
             <a:pPr lvl="4"/>
@@ -3746,6 +3678,7 @@
               <a:rPr lang="zh-CN" altLang="en-US"/>
               <a:t>第五级</a:t>
             </a:r>
+            <a:endParaRPr lang="zh-CN" altLang="en-US"/>
           </a:p>
         </p:txBody>
       </p:sp>
@@ -3811,6 +3744,7 @@
               <a:rPr lang="zh-CN" altLang="en-US"/>
               <a:t>单击此处编辑母版文本样式</a:t>
             </a:r>
+            <a:endParaRPr lang="zh-CN" altLang="en-US"/>
           </a:p>
         </p:txBody>
       </p:sp>
@@ -3831,7 +3765,6 @@
           <a:p>
             <a:fld id="{530820CF-B880-4189-942D-D702A7CBA730}" type="datetimeFigureOut">
               <a:rPr lang="zh-CN" altLang="en-US" smtClean="0"/>
-              <a:t>2018/9/29</a:t>
             </a:fld>
             <a:endParaRPr lang="zh-CN" altLang="en-US"/>
           </a:p>
@@ -3873,7 +3806,6 @@
           <a:p>
             <a:fld id="{0C913308-F349-4B6D-A68A-DD1791B4A57B}" type="slidenum">
               <a:rPr lang="zh-CN" altLang="en-US" smtClean="0"/>
-              <a:t>‹#›</a:t>
             </a:fld>
             <a:endParaRPr lang="zh-CN" altLang="en-US"/>
           </a:p>
@@ -3932,6 +3864,7 @@
               <a:rPr lang="zh-CN" altLang="en-US"/>
               <a:t>单击此处编辑母版标题样式</a:t>
             </a:r>
+            <a:endParaRPr lang="zh-CN" altLang="en-US"/>
           </a:p>
         </p:txBody>
       </p:sp>
@@ -4058,6 +3991,7 @@
               <a:rPr lang="zh-CN" altLang="en-US"/>
               <a:t>单击此处编辑母版文本样式</a:t>
             </a:r>
+            <a:endParaRPr lang="zh-CN" altLang="en-US"/>
           </a:p>
         </p:txBody>
       </p:sp>
@@ -4078,7 +4012,6 @@
           <a:p>
             <a:fld id="{530820CF-B880-4189-942D-D702A7CBA730}" type="datetimeFigureOut">
               <a:rPr lang="zh-CN" altLang="en-US" smtClean="0"/>
-              <a:t>2018/9/29</a:t>
             </a:fld>
             <a:endParaRPr lang="zh-CN" altLang="en-US"/>
           </a:p>
@@ -4120,7 +4053,6 @@
           <a:p>
             <a:fld id="{0C913308-F349-4B6D-A68A-DD1791B4A57B}" type="slidenum">
               <a:rPr lang="zh-CN" altLang="en-US" smtClean="0"/>
-              <a:t>‹#›</a:t>
             </a:fld>
             <a:endParaRPr lang="zh-CN" altLang="en-US"/>
           </a:p>
@@ -4170,6 +4102,7 @@
               <a:rPr lang="zh-CN" altLang="en-US"/>
               <a:t>单击此处编辑母版标题样式</a:t>
             </a:r>
+            <a:endParaRPr lang="zh-CN" altLang="en-US"/>
           </a:p>
         </p:txBody>
       </p:sp>
@@ -4193,6 +4126,7 @@
               <a:rPr lang="zh-CN" altLang="en-US"/>
               <a:t>单击此处编辑母版文本样式</a:t>
             </a:r>
+            <a:endParaRPr lang="zh-CN" altLang="en-US"/>
           </a:p>
           <a:p>
             <a:pPr lvl="1"/>
@@ -4200,6 +4134,7 @@
               <a:rPr lang="zh-CN" altLang="en-US"/>
               <a:t>第二级</a:t>
             </a:r>
+            <a:endParaRPr lang="zh-CN" altLang="en-US"/>
           </a:p>
           <a:p>
             <a:pPr lvl="2"/>
@@ -4207,6 +4142,7 @@
               <a:rPr lang="zh-CN" altLang="en-US"/>
               <a:t>第三级</a:t>
             </a:r>
+            <a:endParaRPr lang="zh-CN" altLang="en-US"/>
           </a:p>
           <a:p>
             <a:pPr lvl="3"/>
@@ -4214,6 +4150,7 @@
               <a:rPr lang="zh-CN" altLang="en-US"/>
               <a:t>第四级</a:t>
             </a:r>
+            <a:endParaRPr lang="zh-CN" altLang="en-US"/>
           </a:p>
           <a:p>
             <a:pPr lvl="4"/>
@@ -4221,6 +4158,7 @@
               <a:rPr lang="zh-CN" altLang="en-US"/>
               <a:t>第五级</a:t>
             </a:r>
+            <a:endParaRPr lang="zh-CN" altLang="en-US"/>
           </a:p>
         </p:txBody>
       </p:sp>
@@ -4241,7 +4179,6 @@
           <a:p>
             <a:fld id="{530820CF-B880-4189-942D-D702A7CBA730}" type="datetimeFigureOut">
               <a:rPr lang="zh-CN" altLang="en-US" smtClean="0"/>
-              <a:t>2018/9/29</a:t>
             </a:fld>
             <a:endParaRPr lang="zh-CN" altLang="en-US"/>
           </a:p>
@@ -4283,7 +4220,6 @@
           <a:p>
             <a:fld id="{0C913308-F349-4B6D-A68A-DD1791B4A57B}" type="slidenum">
               <a:rPr lang="zh-CN" altLang="en-US" smtClean="0"/>
-              <a:t>‹#›</a:t>
             </a:fld>
             <a:endParaRPr lang="zh-CN" altLang="en-US"/>
           </a:p>
@@ -4338,6 +4274,7 @@
               <a:rPr lang="zh-CN" altLang="en-US"/>
               <a:t>单击此处编辑母版标题样式</a:t>
             </a:r>
+            <a:endParaRPr lang="zh-CN" altLang="en-US"/>
           </a:p>
         </p:txBody>
       </p:sp>
@@ -4366,6 +4303,7 @@
               <a:rPr lang="zh-CN" altLang="en-US"/>
               <a:t>单击此处编辑母版文本样式</a:t>
             </a:r>
+            <a:endParaRPr lang="zh-CN" altLang="en-US"/>
           </a:p>
           <a:p>
             <a:pPr lvl="1"/>
@@ -4373,6 +4311,7 @@
               <a:rPr lang="zh-CN" altLang="en-US"/>
               <a:t>第二级</a:t>
             </a:r>
+            <a:endParaRPr lang="zh-CN" altLang="en-US"/>
           </a:p>
           <a:p>
             <a:pPr lvl="2"/>
@@ -4380,6 +4319,7 @@
               <a:rPr lang="zh-CN" altLang="en-US"/>
               <a:t>第三级</a:t>
             </a:r>
+            <a:endParaRPr lang="zh-CN" altLang="en-US"/>
           </a:p>
           <a:p>
             <a:pPr lvl="3"/>
@@ -4387,6 +4327,7 @@
               <a:rPr lang="zh-CN" altLang="en-US"/>
               <a:t>第四级</a:t>
             </a:r>
+            <a:endParaRPr lang="zh-CN" altLang="en-US"/>
           </a:p>
           <a:p>
             <a:pPr lvl="4"/>
@@ -4394,6 +4335,7 @@
               <a:rPr lang="zh-CN" altLang="en-US"/>
               <a:t>第五级</a:t>
             </a:r>
+            <a:endParaRPr lang="zh-CN" altLang="en-US"/>
           </a:p>
         </p:txBody>
       </p:sp>
@@ -4414,7 +4356,6 @@
           <a:p>
             <a:fld id="{530820CF-B880-4189-942D-D702A7CBA730}" type="datetimeFigureOut">
               <a:rPr lang="zh-CN" altLang="en-US" smtClean="0"/>
-              <a:t>2018/9/29</a:t>
             </a:fld>
             <a:endParaRPr lang="zh-CN" altLang="en-US"/>
           </a:p>
@@ -4456,7 +4397,6 @@
           <a:p>
             <a:fld id="{0C913308-F349-4B6D-A68A-DD1791B4A57B}" type="slidenum">
               <a:rPr lang="zh-CN" altLang="en-US" smtClean="0"/>
-              <a:t>‹#›</a:t>
             </a:fld>
             <a:endParaRPr lang="zh-CN" altLang="en-US"/>
           </a:p>
@@ -4889,7 +4829,6 @@
                 <a:latin typeface="微软雅黑 Light" panose="020B0502040204020203" pitchFamily="34" charset="-122"/>
                 <a:ea typeface="微软雅黑 Light" panose="020B0502040204020203" pitchFamily="34" charset="-122"/>
               </a:rPr>
-              <a:t>‹#›</a:t>
             </a:fld>
             <a:r>
               <a:rPr lang="zh-CN" altLang="en-US" sz="1800" b="0" dirty="0">
@@ -4901,6 +4840,13 @@
               </a:rPr>
               <a:t> </a:t>
             </a:r>
+            <a:endParaRPr lang="zh-CN" altLang="en-US" sz="1800" b="0" dirty="0">
+              <a:solidFill>
+                <a:schemeClr val="accent1"/>
+              </a:solidFill>
+              <a:latin typeface="微软雅黑 Light" panose="020B0502040204020203" pitchFamily="34" charset="-122"/>
+              <a:ea typeface="微软雅黑 Light" panose="020B0502040204020203" pitchFamily="34" charset="-122"/>
+            </a:endParaRPr>
           </a:p>
         </p:txBody>
       </p:sp>
@@ -5007,6 +4953,7 @@
               <a:rPr lang="zh-CN" altLang="en-US"/>
               <a:t>单击此处编辑母版标题样式</a:t>
             </a:r>
+            <a:endParaRPr lang="zh-CN" altLang="en-US"/>
           </a:p>
         </p:txBody>
       </p:sp>
@@ -5126,6 +5073,7 @@
               <a:rPr lang="zh-CN" altLang="en-US"/>
               <a:t>单击此处编辑母版文本样式</a:t>
             </a:r>
+            <a:endParaRPr lang="zh-CN" altLang="en-US"/>
           </a:p>
         </p:txBody>
       </p:sp>
@@ -5146,7 +5094,6 @@
           <a:p>
             <a:fld id="{530820CF-B880-4189-942D-D702A7CBA730}" type="datetimeFigureOut">
               <a:rPr lang="zh-CN" altLang="en-US" smtClean="0"/>
-              <a:t>2018/9/29</a:t>
             </a:fld>
             <a:endParaRPr lang="zh-CN" altLang="en-US"/>
           </a:p>
@@ -5188,7 +5135,6 @@
           <a:p>
             <a:fld id="{0C913308-F349-4B6D-A68A-DD1791B4A57B}" type="slidenum">
               <a:rPr lang="zh-CN" altLang="en-US" smtClean="0"/>
-              <a:t>‹#›</a:t>
             </a:fld>
             <a:endParaRPr lang="zh-CN" altLang="en-US"/>
           </a:p>
@@ -5238,6 +5184,7 @@
               <a:rPr lang="zh-CN" altLang="en-US"/>
               <a:t>单击此处编辑母版标题样式</a:t>
             </a:r>
+            <a:endParaRPr lang="zh-CN" altLang="en-US"/>
           </a:p>
         </p:txBody>
       </p:sp>
@@ -5294,6 +5241,7 @@
               <a:rPr lang="zh-CN" altLang="en-US"/>
               <a:t>单击此处编辑母版文本样式</a:t>
             </a:r>
+            <a:endParaRPr lang="zh-CN" altLang="en-US"/>
           </a:p>
           <a:p>
             <a:pPr lvl="1"/>
@@ -5301,6 +5249,7 @@
               <a:rPr lang="zh-CN" altLang="en-US"/>
               <a:t>第二级</a:t>
             </a:r>
+            <a:endParaRPr lang="zh-CN" altLang="en-US"/>
           </a:p>
           <a:p>
             <a:pPr lvl="2"/>
@@ -5308,6 +5257,7 @@
               <a:rPr lang="zh-CN" altLang="en-US"/>
               <a:t>第三级</a:t>
             </a:r>
+            <a:endParaRPr lang="zh-CN" altLang="en-US"/>
           </a:p>
           <a:p>
             <a:pPr lvl="3"/>
@@ -5315,6 +5265,7 @@
               <a:rPr lang="zh-CN" altLang="en-US"/>
               <a:t>第四级</a:t>
             </a:r>
+            <a:endParaRPr lang="zh-CN" altLang="en-US"/>
           </a:p>
           <a:p>
             <a:pPr lvl="4"/>
@@ -5322,6 +5273,7 @@
               <a:rPr lang="zh-CN" altLang="en-US"/>
               <a:t>第五级</a:t>
             </a:r>
+            <a:endParaRPr lang="zh-CN" altLang="en-US"/>
           </a:p>
         </p:txBody>
       </p:sp>
@@ -5378,6 +5330,7 @@
               <a:rPr lang="zh-CN" altLang="en-US"/>
               <a:t>单击此处编辑母版文本样式</a:t>
             </a:r>
+            <a:endParaRPr lang="zh-CN" altLang="en-US"/>
           </a:p>
           <a:p>
             <a:pPr lvl="1"/>
@@ -5385,6 +5338,7 @@
               <a:rPr lang="zh-CN" altLang="en-US"/>
               <a:t>第二级</a:t>
             </a:r>
+            <a:endParaRPr lang="zh-CN" altLang="en-US"/>
           </a:p>
           <a:p>
             <a:pPr lvl="2"/>
@@ -5392,6 +5346,7 @@
               <a:rPr lang="zh-CN" altLang="en-US"/>
               <a:t>第三级</a:t>
             </a:r>
+            <a:endParaRPr lang="zh-CN" altLang="en-US"/>
           </a:p>
           <a:p>
             <a:pPr lvl="3"/>
@@ -5399,6 +5354,7 @@
               <a:rPr lang="zh-CN" altLang="en-US"/>
               <a:t>第四级</a:t>
             </a:r>
+            <a:endParaRPr lang="zh-CN" altLang="en-US"/>
           </a:p>
           <a:p>
             <a:pPr lvl="4"/>
@@ -5406,6 +5362,7 @@
               <a:rPr lang="zh-CN" altLang="en-US"/>
               <a:t>第五级</a:t>
             </a:r>
+            <a:endParaRPr lang="zh-CN" altLang="en-US"/>
           </a:p>
         </p:txBody>
       </p:sp>
@@ -5426,7 +5383,6 @@
           <a:p>
             <a:fld id="{530820CF-B880-4189-942D-D702A7CBA730}" type="datetimeFigureOut">
               <a:rPr lang="zh-CN" altLang="en-US" smtClean="0"/>
-              <a:t>2018/9/29</a:t>
             </a:fld>
             <a:endParaRPr lang="zh-CN" altLang="en-US"/>
           </a:p>
@@ -5468,7 +5424,6 @@
           <a:p>
             <a:fld id="{0C913308-F349-4B6D-A68A-DD1791B4A57B}" type="slidenum">
               <a:rPr lang="zh-CN" altLang="en-US" smtClean="0"/>
-              <a:t>‹#›</a:t>
             </a:fld>
             <a:endParaRPr lang="zh-CN" altLang="en-US"/>
           </a:p>
@@ -5522,6 +5477,7 @@
               <a:rPr lang="zh-CN" altLang="en-US"/>
               <a:t>单击此处编辑母版标题样式</a:t>
             </a:r>
+            <a:endParaRPr lang="zh-CN" altLang="en-US"/>
           </a:p>
         </p:txBody>
       </p:sp>
@@ -5587,6 +5543,7 @@
               <a:rPr lang="zh-CN" altLang="en-US"/>
               <a:t>单击此处编辑母版文本样式</a:t>
             </a:r>
+            <a:endParaRPr lang="zh-CN" altLang="en-US"/>
           </a:p>
         </p:txBody>
       </p:sp>
@@ -5643,6 +5600,7 @@
               <a:rPr lang="zh-CN" altLang="en-US"/>
               <a:t>单击此处编辑母版文本样式</a:t>
             </a:r>
+            <a:endParaRPr lang="zh-CN" altLang="en-US"/>
           </a:p>
           <a:p>
             <a:pPr lvl="1"/>
@@ -5650,6 +5608,7 @@
               <a:rPr lang="zh-CN" altLang="en-US"/>
               <a:t>第二级</a:t>
             </a:r>
+            <a:endParaRPr lang="zh-CN" altLang="en-US"/>
           </a:p>
           <a:p>
             <a:pPr lvl="2"/>
@@ -5657,6 +5616,7 @@
               <a:rPr lang="zh-CN" altLang="en-US"/>
               <a:t>第三级</a:t>
             </a:r>
+            <a:endParaRPr lang="zh-CN" altLang="en-US"/>
           </a:p>
           <a:p>
             <a:pPr lvl="3"/>
@@ -5664,6 +5624,7 @@
               <a:rPr lang="zh-CN" altLang="en-US"/>
               <a:t>第四级</a:t>
             </a:r>
+            <a:endParaRPr lang="zh-CN" altLang="en-US"/>
           </a:p>
           <a:p>
             <a:pPr lvl="4"/>
@@ -5671,6 +5632,7 @@
               <a:rPr lang="zh-CN" altLang="en-US"/>
               <a:t>第五级</a:t>
             </a:r>
+            <a:endParaRPr lang="zh-CN" altLang="en-US"/>
           </a:p>
         </p:txBody>
       </p:sp>
@@ -5736,6 +5698,7 @@
               <a:rPr lang="zh-CN" altLang="en-US"/>
               <a:t>单击此处编辑母版文本样式</a:t>
             </a:r>
+            <a:endParaRPr lang="zh-CN" altLang="en-US"/>
           </a:p>
         </p:txBody>
       </p:sp>
@@ -5792,6 +5755,7 @@
               <a:rPr lang="zh-CN" altLang="en-US"/>
               <a:t>单击此处编辑母版文本样式</a:t>
             </a:r>
+            <a:endParaRPr lang="zh-CN" altLang="en-US"/>
           </a:p>
           <a:p>
             <a:pPr lvl="1"/>
@@ -5799,6 +5763,7 @@
               <a:rPr lang="zh-CN" altLang="en-US"/>
               <a:t>第二级</a:t>
             </a:r>
+            <a:endParaRPr lang="zh-CN" altLang="en-US"/>
           </a:p>
           <a:p>
             <a:pPr lvl="2"/>
@@ -5806,6 +5771,7 @@
               <a:rPr lang="zh-CN" altLang="en-US"/>
               <a:t>第三级</a:t>
             </a:r>
+            <a:endParaRPr lang="zh-CN" altLang="en-US"/>
           </a:p>
           <a:p>
             <a:pPr lvl="3"/>
@@ -5813,6 +5779,7 @@
               <a:rPr lang="zh-CN" altLang="en-US"/>
               <a:t>第四级</a:t>
             </a:r>
+            <a:endParaRPr lang="zh-CN" altLang="en-US"/>
           </a:p>
           <a:p>
             <a:pPr lvl="4"/>
@@ -5820,6 +5787,7 @@
               <a:rPr lang="zh-CN" altLang="en-US"/>
               <a:t>第五级</a:t>
             </a:r>
+            <a:endParaRPr lang="zh-CN" altLang="en-US"/>
           </a:p>
         </p:txBody>
       </p:sp>
@@ -5840,7 +5808,6 @@
           <a:p>
             <a:fld id="{530820CF-B880-4189-942D-D702A7CBA730}" type="datetimeFigureOut">
               <a:rPr lang="zh-CN" altLang="en-US" smtClean="0"/>
-              <a:t>2018/9/29</a:t>
             </a:fld>
             <a:endParaRPr lang="zh-CN" altLang="en-US"/>
           </a:p>
@@ -5882,7 +5849,6 @@
           <a:p>
             <a:fld id="{0C913308-F349-4B6D-A68A-DD1791B4A57B}" type="slidenum">
               <a:rPr lang="zh-CN" altLang="en-US" smtClean="0"/>
-              <a:t>‹#›</a:t>
             </a:fld>
             <a:endParaRPr lang="zh-CN" altLang="en-US"/>
           </a:p>
@@ -5932,6 +5898,7 @@
               <a:rPr lang="zh-CN" altLang="en-US"/>
               <a:t>单击此处编辑母版标题样式</a:t>
             </a:r>
+            <a:endParaRPr lang="zh-CN" altLang="en-US"/>
           </a:p>
         </p:txBody>
       </p:sp>
@@ -5952,7 +5919,6 @@
           <a:p>
             <a:fld id="{530820CF-B880-4189-942D-D702A7CBA730}" type="datetimeFigureOut">
               <a:rPr lang="zh-CN" altLang="en-US" smtClean="0"/>
-              <a:t>2018/9/29</a:t>
             </a:fld>
             <a:endParaRPr lang="zh-CN" altLang="en-US"/>
           </a:p>
@@ -5994,7 +5960,6 @@
           <a:p>
             <a:fld id="{0C913308-F349-4B6D-A68A-DD1791B4A57B}" type="slidenum">
               <a:rPr lang="zh-CN" altLang="en-US" smtClean="0"/>
-              <a:t>‹#›</a:t>
             </a:fld>
             <a:endParaRPr lang="zh-CN" altLang="en-US"/>
           </a:p>
@@ -6042,7 +6007,6 @@
           <a:p>
             <a:fld id="{530820CF-B880-4189-942D-D702A7CBA730}" type="datetimeFigureOut">
               <a:rPr lang="zh-CN" altLang="en-US" smtClean="0"/>
-              <a:t>2018/9/29</a:t>
             </a:fld>
             <a:endParaRPr lang="zh-CN" altLang="en-US"/>
           </a:p>
@@ -6084,7 +6048,6 @@
           <a:p>
             <a:fld id="{0C913308-F349-4B6D-A68A-DD1791B4A57B}" type="slidenum">
               <a:rPr lang="zh-CN" altLang="en-US" smtClean="0"/>
-              <a:t>‹#›</a:t>
             </a:fld>
             <a:endParaRPr lang="zh-CN" altLang="en-US"/>
           </a:p>
@@ -6104,7 +6067,7 @@
     <p:bg>
       <p:bgPr>
         <a:blipFill dpi="0" rotWithShape="1">
-          <a:blip r:embed="rId15">
+          <a:blip r:embed="rId14">
             <a:lum/>
           </a:blip>
           <a:srcRect/>
@@ -6158,6 +6121,7 @@
               <a:rPr lang="zh-CN" altLang="en-US"/>
               <a:t>单击此处编辑母版标题样式</a:t>
             </a:r>
+            <a:endParaRPr lang="zh-CN" altLang="en-US"/>
           </a:p>
         </p:txBody>
       </p:sp>
@@ -6191,6 +6155,7 @@
               <a:rPr lang="zh-CN" altLang="en-US"/>
               <a:t>单击此处编辑母版文本样式</a:t>
             </a:r>
+            <a:endParaRPr lang="zh-CN" altLang="en-US"/>
           </a:p>
           <a:p>
             <a:pPr lvl="1"/>
@@ -6198,6 +6163,7 @@
               <a:rPr lang="zh-CN" altLang="en-US"/>
               <a:t>第二级</a:t>
             </a:r>
+            <a:endParaRPr lang="zh-CN" altLang="en-US"/>
           </a:p>
           <a:p>
             <a:pPr lvl="2"/>
@@ -6205,6 +6171,7 @@
               <a:rPr lang="zh-CN" altLang="en-US"/>
               <a:t>第三级</a:t>
             </a:r>
+            <a:endParaRPr lang="zh-CN" altLang="en-US"/>
           </a:p>
           <a:p>
             <a:pPr lvl="3"/>
@@ -6212,6 +6179,7 @@
               <a:rPr lang="zh-CN" altLang="en-US"/>
               <a:t>第四级</a:t>
             </a:r>
+            <a:endParaRPr lang="zh-CN" altLang="en-US"/>
           </a:p>
           <a:p>
             <a:pPr lvl="4"/>
@@ -6219,6 +6187,7 @@
               <a:rPr lang="zh-CN" altLang="en-US"/>
               <a:t>第五级</a:t>
             </a:r>
+            <a:endParaRPr lang="zh-CN" altLang="en-US"/>
           </a:p>
         </p:txBody>
       </p:sp>
@@ -6257,7 +6226,6 @@
           <a:p>
             <a:fld id="{530820CF-B880-4189-942D-D702A7CBA730}" type="datetimeFigureOut">
               <a:rPr lang="zh-CN" altLang="en-US" smtClean="0"/>
-              <a:t>2018/9/29</a:t>
             </a:fld>
             <a:endParaRPr lang="zh-CN" altLang="en-US"/>
           </a:p>
@@ -6335,7 +6303,6 @@
           <a:p>
             <a:fld id="{0C913308-F349-4B6D-A68A-DD1791B4A57B}" type="slidenum">
               <a:rPr lang="zh-CN" altLang="en-US" smtClean="0"/>
-              <a:t>‹#›</a:t>
             </a:fld>
             <a:endParaRPr lang="zh-CN" altLang="en-US"/>
           </a:p>
@@ -6764,6 +6731,17 @@
               </a:rPr>
               <a:t>www.1ppt.com/hangye/ </a:t>
             </a:r>
+            <a:endParaRPr kumimoji="0" lang="en-US" altLang="zh-CN" sz="100" b="0" i="0" u="none" strike="noStrike" kern="0" cap="none" spc="0" normalizeH="0" baseline="0" noProof="0" dirty="0">
+              <a:ln>
+                <a:noFill/>
+              </a:ln>
+              <a:solidFill>
+                <a:sysClr val="window" lastClr="FFFFFF"/>
+              </a:solidFill>
+              <a:effectLst/>
+              <a:uLnTx/>
+              <a:uFillTx/>
+            </a:endParaRPr>
           </a:p>
           <a:p>
             <a:pPr marL="0" marR="0" lvl="0" indent="0" defTabSz="914400" eaLnBrk="1" fontAlgn="auto" latinLnBrk="0" hangingPunct="1">
@@ -6866,6 +6844,17 @@
               </a:rPr>
               <a:t>www.1ppt.com/sucai/</a:t>
             </a:r>
+            <a:endParaRPr kumimoji="0" lang="en-US" altLang="zh-CN" sz="100" b="0" i="0" u="none" strike="noStrike" kern="0" cap="none" spc="0" normalizeH="0" baseline="0" noProof="0" dirty="0">
+              <a:ln>
+                <a:noFill/>
+              </a:ln>
+              <a:solidFill>
+                <a:sysClr val="window" lastClr="FFFFFF"/>
+              </a:solidFill>
+              <a:effectLst/>
+              <a:uLnTx/>
+              <a:uFillTx/>
+            </a:endParaRPr>
           </a:p>
           <a:p>
             <a:pPr marL="0" marR="0" lvl="0" indent="0" defTabSz="914400" eaLnBrk="1" fontAlgn="auto" latinLnBrk="0" hangingPunct="1">
@@ -6954,6 +6943,17 @@
               </a:rPr>
               <a:t>www.1ppt.com/tubiao/      </a:t>
             </a:r>
+            <a:endParaRPr kumimoji="0" lang="en-US" altLang="zh-CN" sz="100" b="0" i="0" u="none" strike="noStrike" kern="0" cap="none" spc="0" normalizeH="0" baseline="0" noProof="0" dirty="0">
+              <a:ln>
+                <a:noFill/>
+              </a:ln>
+              <a:solidFill>
+                <a:sysClr val="window" lastClr="FFFFFF"/>
+              </a:solidFill>
+              <a:effectLst/>
+              <a:uLnTx/>
+              <a:uFillTx/>
+            </a:endParaRPr>
           </a:p>
           <a:p>
             <a:pPr marL="0" marR="0" lvl="0" indent="0" defTabSz="914400" eaLnBrk="1" fontAlgn="auto" latinLnBrk="0" hangingPunct="1">
@@ -7056,6 +7056,17 @@
               </a:rPr>
               <a:t>www.1ppt.com/powerpoint/      </a:t>
             </a:r>
+            <a:endParaRPr kumimoji="0" lang="en-US" altLang="zh-CN" sz="100" b="0" i="0" u="none" strike="noStrike" kern="0" cap="none" spc="0" normalizeH="0" baseline="0" noProof="0" dirty="0">
+              <a:ln>
+                <a:noFill/>
+              </a:ln>
+              <a:solidFill>
+                <a:sysClr val="window" lastClr="FFFFFF"/>
+              </a:solidFill>
+              <a:effectLst/>
+              <a:uLnTx/>
+              <a:uFillTx/>
+            </a:endParaRPr>
           </a:p>
           <a:p>
             <a:pPr marL="0" marR="0" lvl="0" indent="0" defTabSz="914400" eaLnBrk="1" fontAlgn="auto" latinLnBrk="0" hangingPunct="1">
@@ -7144,6 +7155,17 @@
               </a:rPr>
               <a:t>www.1ppt.com/excel/  </a:t>
             </a:r>
+            <a:endParaRPr kumimoji="0" lang="en-US" altLang="zh-CN" sz="100" b="0" i="0" u="none" strike="noStrike" kern="0" cap="none" spc="0" normalizeH="0" baseline="0" noProof="0" dirty="0">
+              <a:ln>
+                <a:noFill/>
+              </a:ln>
+              <a:solidFill>
+                <a:sysClr val="window" lastClr="FFFFFF"/>
+              </a:solidFill>
+              <a:effectLst/>
+              <a:uLnTx/>
+              <a:uFillTx/>
+            </a:endParaRPr>
           </a:p>
           <a:p>
             <a:pPr marL="0" marR="0" lvl="0" indent="0" defTabSz="914400" eaLnBrk="1" fontAlgn="auto" latinLnBrk="0" hangingPunct="1">
@@ -7218,6 +7240,17 @@
               </a:rPr>
               <a:t>www.1ppt.com/kejian/ </a:t>
             </a:r>
+            <a:endParaRPr kumimoji="0" lang="en-US" altLang="zh-CN" sz="100" b="0" i="0" u="none" strike="noStrike" kern="0" cap="none" spc="0" normalizeH="0" baseline="0" noProof="0" dirty="0">
+              <a:ln>
+                <a:noFill/>
+              </a:ln>
+              <a:solidFill>
+                <a:sysClr val="window" lastClr="FFFFFF"/>
+              </a:solidFill>
+              <a:effectLst/>
+              <a:uLnTx/>
+              <a:uFillTx/>
+            </a:endParaRPr>
           </a:p>
           <a:p>
             <a:pPr marL="0" marR="0" lvl="0" indent="0" defTabSz="914400" eaLnBrk="1" fontAlgn="auto" latinLnBrk="0" hangingPunct="1">
@@ -7292,6 +7325,17 @@
               </a:rPr>
               <a:t>www.1ppt.com/shiti/  </a:t>
             </a:r>
+            <a:endParaRPr kumimoji="0" lang="en-US" altLang="zh-CN" sz="100" b="0" i="0" u="none" strike="noStrike" kern="0" cap="none" spc="0" normalizeH="0" baseline="0" noProof="0" dirty="0">
+              <a:ln>
+                <a:noFill/>
+              </a:ln>
+              <a:solidFill>
+                <a:sysClr val="window" lastClr="FFFFFF"/>
+              </a:solidFill>
+              <a:effectLst/>
+              <a:uLnTx/>
+              <a:uFillTx/>
+            </a:endParaRPr>
           </a:p>
           <a:p>
             <a:pPr marL="0" marR="0" lvl="0" indent="0" defTabSz="914400" eaLnBrk="1" fontAlgn="auto" latinLnBrk="0" hangingPunct="1">
@@ -7366,6 +7410,17 @@
               </a:rPr>
               <a:t>www.1ppt.cn</a:t>
             </a:r>
+            <a:endParaRPr kumimoji="0" lang="en-US" altLang="zh-CN" sz="100" b="0" i="0" u="none" strike="noStrike" kern="0" cap="none" spc="0" normalizeH="0" baseline="0" noProof="0" dirty="0">
+              <a:ln>
+                <a:noFill/>
+              </a:ln>
+              <a:solidFill>
+                <a:sysClr val="window" lastClr="FFFFFF"/>
+              </a:solidFill>
+              <a:effectLst/>
+              <a:uLnTx/>
+              <a:uFillTx/>
+            </a:endParaRPr>
           </a:p>
           <a:p>
             <a:pPr marL="0" marR="0" lvl="0" indent="0" defTabSz="914400" eaLnBrk="1" fontAlgn="auto" latinLnBrk="0" hangingPunct="1">
@@ -7750,13 +7805,13 @@
   <p:clrMapOvr>
     <a:masterClrMapping/>
   </p:clrMapOvr>
-  <mc:AlternateContent xmlns:mc="http://schemas.openxmlformats.org/markup-compatibility/2006" xmlns:p14="http://schemas.microsoft.com/office/powerpoint/2010/main">
-    <mc:Choice Requires="p14">
+  <mc:AlternateContent xmlns:mc="http://schemas.openxmlformats.org/markup-compatibility/2006">
+    <mc:Choice xmlns:p14="http://schemas.microsoft.com/office/powerpoint/2010/main" Requires="p14">
       <p:transition spd="med" p14:dur="700" advTm="7028">
         <p:fade/>
       </p:transition>
     </mc:Choice>
-    <mc:Fallback xmlns="">
+    <mc:Fallback>
       <p:transition spd="med" advTm="7028">
         <p:fade/>
       </p:transition>
@@ -8931,6 +8986,7 @@
               <a:rPr lang="zh-CN" altLang="en-US" sz="1200" dirty="0"/>
               <a:t> 的数据</a:t>
             </a:r>
+            <a:endParaRPr lang="zh-CN" altLang="en-US" sz="1200" dirty="0"/>
           </a:p>
           <a:p>
             <a:r>
@@ -8953,6 +9009,7 @@
               <a:rPr lang="zh-CN" altLang="en-US" sz="1200" dirty="0"/>
               <a:t> 之前什么都不会发生</a:t>
             </a:r>
+            <a:endParaRPr lang="zh-CN" altLang="en-US" sz="1200" dirty="0"/>
           </a:p>
           <a:p>
             <a:r>
@@ -8994,6 +9051,7 @@
               <a:rPr lang="zh-CN" altLang="en-US" sz="1200" dirty="0"/>
               <a:t> 的效果</a:t>
             </a:r>
+            <a:endParaRPr lang="zh-CN" altLang="en-US" sz="1200" dirty="0"/>
           </a:p>
           <a:p>
             <a:endParaRPr lang="zh-CN" altLang="en-US" sz="1200" dirty="0" smtClean="0">
@@ -9239,6 +9297,7 @@
               <a:rPr lang="zh-CN" altLang="en-US" sz="1200" dirty="0"/>
               <a:t>： 当下游跟不上节奏的时候发出一个错误信号。</a:t>
             </a:r>
+            <a:endParaRPr lang="zh-CN" altLang="en-US" sz="1200" dirty="0"/>
           </a:p>
           <a:p>
             <a:r>
@@ -9249,6 +9308,7 @@
               <a:rPr lang="zh-CN" altLang="en-US" sz="1200" dirty="0"/>
               <a:t>：当下游没有准备好接收新的元素的时候抛弃这个元素。</a:t>
             </a:r>
+            <a:endParaRPr lang="zh-CN" altLang="en-US" sz="1200" dirty="0"/>
           </a:p>
           <a:p>
             <a:r>
@@ -9259,6 +9319,7 @@
               <a:rPr lang="zh-CN" altLang="en-US" sz="1200" dirty="0"/>
               <a:t>：让下游只得到上游最新的元素。</a:t>
             </a:r>
+            <a:endParaRPr lang="zh-CN" altLang="en-US" sz="1200" dirty="0"/>
           </a:p>
           <a:p>
             <a:r>
@@ -9277,6 +9338,7 @@
               <a:rPr lang="zh-CN" altLang="en-US" sz="1200" dirty="0"/>
               <a:t>）。</a:t>
             </a:r>
+            <a:endParaRPr lang="zh-CN" altLang="en-US" sz="1200" dirty="0"/>
           </a:p>
           <a:p>
             <a:endParaRPr lang="zh-CN" altLang="en-US" sz="1200" dirty="0"/>
@@ -9304,7 +9366,7 @@
           <p:nvPr/>
         </p:nvPicPr>
         <p:blipFill>
-          <a:blip r:embed="rId3">
+          <a:blip r:embed="rId1">
             <a:extLst>
               <a:ext uri="{28A0092B-C50C-407E-A947-70E740481C1C}">
                 <a14:useLocalDpi xmlns:a14="http://schemas.microsoft.com/office/drawing/2010/main" val="0"/>
@@ -10731,6 +10793,7 @@
               <a:rPr lang="zh-CN" altLang="en-US" dirty="0"/>
               <a:t>http://www.masterraghu.com/subjects/np/introduction/unix_network_programming_v1.3/ch06lev1sec2.html</a:t>
             </a:r>
+            <a:endParaRPr lang="zh-CN" altLang="en-US" dirty="0"/>
           </a:p>
         </p:txBody>
       </p:sp>
@@ -10743,7 +10806,7 @@
           <p:nvPr/>
         </p:nvPicPr>
         <p:blipFill>
-          <a:blip r:embed="rId3">
+          <a:blip r:embed="rId1">
             <a:extLst>
               <a:ext uri="{28A0092B-C50C-407E-A947-70E740481C1C}">
                 <a14:useLocalDpi xmlns:a14="http://schemas.microsoft.com/office/drawing/2010/main" val="0"/>
@@ -10823,6 +10886,16 @@
               </a:rPr>
               <a:t>I/O Model</a:t>
             </a:r>
+            <a:endParaRPr lang="en-US" altLang="zh-CN" sz="1200" dirty="0">
+              <a:solidFill>
+                <a:schemeClr val="tx1">
+                  <a:lumMod val="75000"/>
+                  <a:lumOff val="25000"/>
+                </a:schemeClr>
+              </a:solidFill>
+              <a:latin typeface="微软雅黑" panose="020B0503020204020204" pitchFamily="34" charset="-122"/>
+              <a:ea typeface="微软雅黑" panose="020B0503020204020204" pitchFamily="34" charset="-122"/>
+            </a:endParaRPr>
           </a:p>
           <a:p>
             <a:r>
@@ -10851,6 +10924,16 @@
               </a:rPr>
               <a:t>I/O Model</a:t>
             </a:r>
+            <a:endParaRPr lang="en-US" altLang="zh-CN" sz="1200" dirty="0">
+              <a:solidFill>
+                <a:schemeClr val="tx1">
+                  <a:lumMod val="75000"/>
+                  <a:lumOff val="25000"/>
+                </a:schemeClr>
+              </a:solidFill>
+              <a:latin typeface="微软雅黑" panose="020B0503020204020204" pitchFamily="34" charset="-122"/>
+              <a:ea typeface="微软雅黑" panose="020B0503020204020204" pitchFamily="34" charset="-122"/>
+            </a:endParaRPr>
           </a:p>
           <a:p>
             <a:r>
@@ -10879,6 +10962,16 @@
               </a:rPr>
               <a:t>Multiplexing Model</a:t>
             </a:r>
+            <a:endParaRPr lang="en-US" altLang="zh-CN" sz="1200" dirty="0">
+              <a:solidFill>
+                <a:schemeClr val="tx1">
+                  <a:lumMod val="75000"/>
+                  <a:lumOff val="25000"/>
+                </a:schemeClr>
+              </a:solidFill>
+              <a:latin typeface="微软雅黑" panose="020B0503020204020204" pitchFamily="34" charset="-122"/>
+              <a:ea typeface="微软雅黑" panose="020B0503020204020204" pitchFamily="34" charset="-122"/>
+            </a:endParaRPr>
           </a:p>
           <a:p>
             <a:r>
@@ -10907,6 +11000,16 @@
               </a:rPr>
               <a:t>I/O Model</a:t>
             </a:r>
+            <a:endParaRPr lang="en-US" altLang="zh-CN" sz="1200" dirty="0">
+              <a:solidFill>
+                <a:schemeClr val="tx1">
+                  <a:lumMod val="75000"/>
+                  <a:lumOff val="25000"/>
+                </a:schemeClr>
+              </a:solidFill>
+              <a:latin typeface="微软雅黑" panose="020B0503020204020204" pitchFamily="34" charset="-122"/>
+              <a:ea typeface="微软雅黑" panose="020B0503020204020204" pitchFamily="34" charset="-122"/>
+            </a:endParaRPr>
           </a:p>
           <a:p>
             <a:r>
@@ -11213,7 +11316,7 @@
           <p:nvPr/>
         </p:nvPicPr>
         <p:blipFill>
-          <a:blip r:embed="rId3"/>
+          <a:blip r:embed="rId1"/>
           <a:stretch>
             <a:fillRect/>
           </a:stretch>
@@ -11481,6 +11584,7 @@
               <a:rPr lang="zh-CN" altLang="en-US" dirty="0"/>
               <a:t>http://www.masterraghu.com/subjects/np/introduction/unix_network_programming_v1.3/ch06lev1sec2.html</a:t>
             </a:r>
+            <a:endParaRPr lang="zh-CN" altLang="en-US" dirty="0"/>
           </a:p>
         </p:txBody>
       </p:sp>
@@ -11493,7 +11597,7 @@
           <p:nvPr/>
         </p:nvPicPr>
         <p:blipFill>
-          <a:blip r:embed="rId3">
+          <a:blip r:embed="rId1">
             <a:extLst>
               <a:ext uri="{28A0092B-C50C-407E-A947-70E740481C1C}">
                 <a14:useLocalDpi xmlns:a14="http://schemas.microsoft.com/office/drawing/2010/main" val="0"/>
@@ -11573,6 +11677,16 @@
               </a:rPr>
               <a:t>I/O Model</a:t>
             </a:r>
+            <a:endParaRPr lang="en-US" altLang="zh-CN" sz="1200" dirty="0">
+              <a:solidFill>
+                <a:schemeClr val="tx1">
+                  <a:lumMod val="75000"/>
+                  <a:lumOff val="25000"/>
+                </a:schemeClr>
+              </a:solidFill>
+              <a:latin typeface="微软雅黑" panose="020B0503020204020204" pitchFamily="34" charset="-122"/>
+              <a:ea typeface="微软雅黑" panose="020B0503020204020204" pitchFamily="34" charset="-122"/>
+            </a:endParaRPr>
           </a:p>
           <a:p>
             <a:r>
@@ -11601,6 +11715,16 @@
               </a:rPr>
               <a:t>I/O Model</a:t>
             </a:r>
+            <a:endParaRPr lang="en-US" altLang="zh-CN" sz="1200" dirty="0">
+              <a:solidFill>
+                <a:schemeClr val="tx1">
+                  <a:lumMod val="75000"/>
+                  <a:lumOff val="25000"/>
+                </a:schemeClr>
+              </a:solidFill>
+              <a:latin typeface="微软雅黑" panose="020B0503020204020204" pitchFamily="34" charset="-122"/>
+              <a:ea typeface="微软雅黑" panose="020B0503020204020204" pitchFamily="34" charset="-122"/>
+            </a:endParaRPr>
           </a:p>
           <a:p>
             <a:r>
@@ -11629,6 +11753,16 @@
               </a:rPr>
               <a:t>Multiplexing Model</a:t>
             </a:r>
+            <a:endParaRPr lang="en-US" altLang="zh-CN" sz="1200" dirty="0">
+              <a:solidFill>
+                <a:schemeClr val="tx1">
+                  <a:lumMod val="75000"/>
+                  <a:lumOff val="25000"/>
+                </a:schemeClr>
+              </a:solidFill>
+              <a:latin typeface="微软雅黑" panose="020B0503020204020204" pitchFamily="34" charset="-122"/>
+              <a:ea typeface="微软雅黑" panose="020B0503020204020204" pitchFamily="34" charset="-122"/>
+            </a:endParaRPr>
           </a:p>
           <a:p>
             <a:r>
@@ -11657,6 +11791,16 @@
               </a:rPr>
               <a:t>I/O Model</a:t>
             </a:r>
+            <a:endParaRPr lang="en-US" altLang="zh-CN" sz="1200" dirty="0">
+              <a:solidFill>
+                <a:schemeClr val="tx1">
+                  <a:lumMod val="75000"/>
+                  <a:lumOff val="25000"/>
+                </a:schemeClr>
+              </a:solidFill>
+              <a:latin typeface="微软雅黑" panose="020B0503020204020204" pitchFamily="34" charset="-122"/>
+              <a:ea typeface="微软雅黑" panose="020B0503020204020204" pitchFamily="34" charset="-122"/>
+            </a:endParaRPr>
           </a:p>
           <a:p>
             <a:r>
@@ -12326,7 +12470,7 @@
           <p:nvPr/>
         </p:nvPicPr>
         <p:blipFill>
-          <a:blip r:embed="rId3"/>
+          <a:blip r:embed="rId1"/>
           <a:stretch>
             <a:fillRect/>
           </a:stretch>
@@ -12624,6 +12768,7 @@
               <a:rPr lang="zh-CN" altLang="en-US" sz="1200" b="1" dirty="0"/>
               <a:t>、串行化设计避免线程竞争</a:t>
             </a:r>
+            <a:endParaRPr lang="zh-CN" altLang="en-US" sz="1200" b="1" dirty="0"/>
           </a:p>
           <a:p>
             <a:r>
@@ -12682,6 +12827,7 @@
               <a:rPr lang="zh-CN" altLang="en-US" sz="1200" dirty="0"/>
               <a:t>负责。整个流程不会进行线程上下文切换，数据无并发修改风险。</a:t>
             </a:r>
+            <a:endParaRPr lang="zh-CN" altLang="en-US" sz="1200" dirty="0"/>
           </a:p>
           <a:p>
             <a:r>
@@ -12704,6 +12850,7 @@
               <a:rPr lang="zh-CN" altLang="en-US" sz="1200" dirty="0"/>
               <a:t>，因此可以处理多个客户端连接。</a:t>
             </a:r>
+            <a:endParaRPr lang="zh-CN" altLang="en-US" sz="1200" dirty="0"/>
           </a:p>
           <a:p>
             <a:r>
@@ -12722,6 +12869,7 @@
               <a:rPr lang="zh-CN" altLang="en-US" sz="1200" dirty="0"/>
               <a:t>线程”，其他的业务线程模型由用户自己集成。</a:t>
             </a:r>
+            <a:endParaRPr lang="zh-CN" altLang="en-US" sz="1200" dirty="0"/>
           </a:p>
           <a:p>
             <a:r>
@@ -12750,6 +12898,7 @@
               <a:rPr lang="zh-CN" altLang="en-US" sz="1200" b="1" dirty="0"/>
               <a:t>、定时任务与时间轮</a:t>
             </a:r>
+            <a:endParaRPr lang="zh-CN" altLang="en-US" sz="1200" b="1" dirty="0"/>
           </a:p>
           <a:p>
             <a:r>
@@ -12768,6 +12917,7 @@
               <a:rPr lang="zh-CN" altLang="en-US" sz="1200" dirty="0"/>
               <a:t>线程按照时间轮中的步骤不断循环执行：</a:t>
             </a:r>
+            <a:endParaRPr lang="zh-CN" altLang="en-US" sz="1200" dirty="0"/>
           </a:p>
           <a:p>
             <a:r>
@@ -12806,6 +12956,7 @@
               <a:rPr lang="zh-CN" altLang="en-US" sz="1200" dirty="0"/>
               <a:t>事件；</a:t>
             </a:r>
+            <a:endParaRPr lang="zh-CN" altLang="en-US" sz="1200" dirty="0"/>
           </a:p>
           <a:p>
             <a:r>
@@ -12824,6 +12975,7 @@
               <a:rPr lang="zh-CN" altLang="en-US" sz="1200" dirty="0"/>
               <a:t>事件；</a:t>
             </a:r>
+            <a:endParaRPr lang="zh-CN" altLang="en-US" sz="1200" dirty="0"/>
           </a:p>
           <a:p>
             <a:r>
@@ -14231,6 +14383,10 @@
                 </a:rPr>
                 <a:t>展望</a:t>
               </a:r>
+              <a:endParaRPr lang="zh-CN" altLang="en-US" sz="2000" b="1" dirty="0">
+                <a:latin typeface="微软雅黑" panose="020B0503020204020204" pitchFamily="34" charset="-122"/>
+                <a:ea typeface="微软雅黑" panose="020B0503020204020204" pitchFamily="34" charset="-122"/>
+              </a:endParaRPr>
             </a:p>
           </p:txBody>
         </p:sp>
@@ -14296,13 +14452,13 @@
   <p:clrMapOvr>
     <a:masterClrMapping/>
   </p:clrMapOvr>
-  <mc:AlternateContent xmlns:mc="http://schemas.openxmlformats.org/markup-compatibility/2006" xmlns:p14="http://schemas.microsoft.com/office/powerpoint/2010/main">
-    <mc:Choice Requires="p14">
+  <mc:AlternateContent xmlns:mc="http://schemas.openxmlformats.org/markup-compatibility/2006">
+    <mc:Choice xmlns:p14="http://schemas.microsoft.com/office/powerpoint/2010/main" Requires="p14">
       <p:transition spd="slow" p14:dur="1200" advClick="0" advTm="52445">
         <p14:flip dir="r"/>
       </p:transition>
     </mc:Choice>
-    <mc:Fallback xmlns="">
+    <mc:Fallback>
       <p:transition spd="slow" advClick="0" advTm="52445">
         <p:fade/>
       </p:transition>
@@ -14511,7 +14667,7 @@
           <p:nvPr/>
         </p:nvPicPr>
         <p:blipFill>
-          <a:blip r:embed="rId3"/>
+          <a:blip r:embed="rId1"/>
           <a:stretch>
             <a:fillRect/>
           </a:stretch>
@@ -14737,7 +14893,7 @@
           <p:nvPr/>
         </p:nvPicPr>
         <p:blipFill>
-          <a:blip r:embed="rId3"/>
+          <a:blip r:embed="rId1"/>
           <a:stretch>
             <a:fillRect/>
           </a:stretch>
@@ -14761,7 +14917,7 @@
           <p:nvPr/>
         </p:nvPicPr>
         <p:blipFill>
-          <a:blip r:embed="rId4"/>
+          <a:blip r:embed="rId2"/>
           <a:stretch>
             <a:fillRect/>
           </a:stretch>
@@ -14987,7 +15143,7 @@
           <p:nvPr/>
         </p:nvPicPr>
         <p:blipFill>
-          <a:blip r:embed="rId3">
+          <a:blip r:embed="rId1">
             <a:extLst>
               <a:ext uri="{28A0092B-C50C-407E-A947-70E740481C1C}">
                 <a14:useLocalDpi xmlns:a14="http://schemas.microsoft.com/office/drawing/2010/main" val="0"/>
@@ -15017,7 +15173,7 @@
           <p:nvPr/>
         </p:nvPicPr>
         <p:blipFill>
-          <a:blip r:embed="rId4">
+          <a:blip r:embed="rId2">
             <a:extLst>
               <a:ext uri="{28A0092B-C50C-407E-A947-70E740481C1C}">
                 <a14:useLocalDpi xmlns:a14="http://schemas.microsoft.com/office/drawing/2010/main" val="0"/>
@@ -15249,7 +15405,7 @@
           <p:nvPr/>
         </p:nvPicPr>
         <p:blipFill>
-          <a:blip r:embed="rId3">
+          <a:blip r:embed="rId1">
             <a:extLst>
               <a:ext uri="{28A0092B-C50C-407E-A947-70E740481C1C}">
                 <a14:useLocalDpi xmlns:a14="http://schemas.microsoft.com/office/drawing/2010/main" val="0"/>
@@ -15279,7 +15435,7 @@
           <p:nvPr/>
         </p:nvPicPr>
         <p:blipFill>
-          <a:blip r:embed="rId4">
+          <a:blip r:embed="rId2">
             <a:extLst>
               <a:ext uri="{28A0092B-C50C-407E-A947-70E740481C1C}">
                 <a14:useLocalDpi xmlns:a14="http://schemas.microsoft.com/office/drawing/2010/main" val="0"/>
@@ -15309,7 +15465,7 @@
           <p:nvPr/>
         </p:nvPicPr>
         <p:blipFill>
-          <a:blip r:embed="rId5">
+          <a:blip r:embed="rId3">
             <a:extLst>
               <a:ext uri="{28A0092B-C50C-407E-A947-70E740481C1C}">
                 <a14:useLocalDpi xmlns:a14="http://schemas.microsoft.com/office/drawing/2010/main" val="0"/>
@@ -15497,6 +15653,16 @@
               </a:rPr>
               <a:t>---DirectorMemory</a:t>
             </a:r>
+            <a:endParaRPr lang="en-US" altLang="zh-CN" sz="1600" dirty="0" smtClean="0">
+              <a:solidFill>
+                <a:schemeClr val="tx1">
+                  <a:lumMod val="75000"/>
+                  <a:lumOff val="25000"/>
+                </a:schemeClr>
+              </a:solidFill>
+              <a:latin typeface="微软雅黑" panose="020B0503020204020204" pitchFamily="34" charset="-122"/>
+              <a:ea typeface="微软雅黑" panose="020B0503020204020204" pitchFamily="34" charset="-122"/>
+            </a:endParaRPr>
           </a:p>
         </p:txBody>
       </p:sp>
@@ -15571,6 +15737,16 @@
               </a:rPr>
               <a:t>内置复合缓冲类型实现零拷贝</a:t>
             </a:r>
+            <a:endParaRPr lang="zh-CN" altLang="en-US" sz="1200" dirty="0" smtClean="0">
+              <a:solidFill>
+                <a:schemeClr val="tx1">
+                  <a:lumMod val="75000"/>
+                  <a:lumOff val="25000"/>
+                </a:schemeClr>
+              </a:solidFill>
+              <a:latin typeface="微软雅黑" panose="020B0503020204020204" pitchFamily="34" charset="-122"/>
+              <a:ea typeface="微软雅黑" panose="020B0503020204020204" pitchFamily="34" charset="-122"/>
+            </a:endParaRPr>
           </a:p>
           <a:p>
             <a:pPr algn="l"/>
@@ -15587,6 +15763,16 @@
               </a:rPr>
               <a:t>容量是按需扩展的，类似StringBuffer</a:t>
             </a:r>
+            <a:endParaRPr lang="zh-CN" altLang="en-US" sz="1200" dirty="0" smtClean="0">
+              <a:solidFill>
+                <a:schemeClr val="tx1">
+                  <a:lumMod val="75000"/>
+                  <a:lumOff val="25000"/>
+                </a:schemeClr>
+              </a:solidFill>
+              <a:latin typeface="微软雅黑" panose="020B0503020204020204" pitchFamily="34" charset="-122"/>
+              <a:ea typeface="微软雅黑" panose="020B0503020204020204" pitchFamily="34" charset="-122"/>
+            </a:endParaRPr>
           </a:p>
           <a:p>
             <a:pPr algn="l"/>
@@ -15603,6 +15789,16 @@
               </a:rPr>
               <a:t>不需要通过调用flip()方法切换读写模式</a:t>
             </a:r>
+            <a:endParaRPr lang="zh-CN" altLang="en-US" sz="1200" dirty="0" smtClean="0">
+              <a:solidFill>
+                <a:schemeClr val="tx1">
+                  <a:lumMod val="75000"/>
+                  <a:lumOff val="25000"/>
+                </a:schemeClr>
+              </a:solidFill>
+              <a:latin typeface="微软雅黑" panose="020B0503020204020204" pitchFamily="34" charset="-122"/>
+              <a:ea typeface="微软雅黑" panose="020B0503020204020204" pitchFamily="34" charset="-122"/>
+            </a:endParaRPr>
           </a:p>
           <a:p>
             <a:pPr algn="l"/>
@@ -15619,6 +15815,16 @@
               </a:rPr>
               <a:t>读索引和写索引是分开的</a:t>
             </a:r>
+            <a:endParaRPr lang="zh-CN" altLang="en-US" sz="1200" dirty="0" smtClean="0">
+              <a:solidFill>
+                <a:schemeClr val="tx1">
+                  <a:lumMod val="75000"/>
+                  <a:lumOff val="25000"/>
+                </a:schemeClr>
+              </a:solidFill>
+              <a:latin typeface="微软雅黑" panose="020B0503020204020204" pitchFamily="34" charset="-122"/>
+              <a:ea typeface="微软雅黑" panose="020B0503020204020204" pitchFamily="34" charset="-122"/>
+            </a:endParaRPr>
           </a:p>
           <a:p>
             <a:pPr algn="l"/>
@@ -15635,6 +15841,16 @@
               </a:rPr>
               <a:t>方法调用是链式结构的</a:t>
             </a:r>
+            <a:endParaRPr lang="zh-CN" altLang="en-US" sz="1200" dirty="0" smtClean="0">
+              <a:solidFill>
+                <a:schemeClr val="tx1">
+                  <a:lumMod val="75000"/>
+                  <a:lumOff val="25000"/>
+                </a:schemeClr>
+              </a:solidFill>
+              <a:latin typeface="微软雅黑" panose="020B0503020204020204" pitchFamily="34" charset="-122"/>
+              <a:ea typeface="微软雅黑" panose="020B0503020204020204" pitchFamily="34" charset="-122"/>
+            </a:endParaRPr>
           </a:p>
           <a:p>
             <a:pPr algn="l"/>
@@ -15651,6 +15867,16 @@
               </a:rPr>
               <a:t>引用技术功能自动释放资源</a:t>
             </a:r>
+            <a:endParaRPr lang="zh-CN" altLang="en-US" sz="1200" dirty="0" smtClean="0">
+              <a:solidFill>
+                <a:schemeClr val="tx1">
+                  <a:lumMod val="75000"/>
+                  <a:lumOff val="25000"/>
+                </a:schemeClr>
+              </a:solidFill>
+              <a:latin typeface="微软雅黑" panose="020B0503020204020204" pitchFamily="34" charset="-122"/>
+              <a:ea typeface="微软雅黑" panose="020B0503020204020204" pitchFamily="34" charset="-122"/>
+            </a:endParaRPr>
           </a:p>
           <a:p>
             <a:pPr algn="l"/>
@@ -15667,6 +15893,16 @@
               </a:rPr>
               <a:t>池优化技术</a:t>
             </a:r>
+            <a:endParaRPr lang="zh-CN" altLang="en-US" sz="1200" dirty="0" smtClean="0">
+              <a:solidFill>
+                <a:schemeClr val="tx1">
+                  <a:lumMod val="75000"/>
+                  <a:lumOff val="25000"/>
+                </a:schemeClr>
+              </a:solidFill>
+              <a:latin typeface="微软雅黑" panose="020B0503020204020204" pitchFamily="34" charset="-122"/>
+              <a:ea typeface="微软雅黑" panose="020B0503020204020204" pitchFamily="34" charset="-122"/>
+            </a:endParaRPr>
           </a:p>
         </p:txBody>
       </p:sp>
@@ -15679,7 +15915,7 @@
           <p:nvPr/>
         </p:nvPicPr>
         <p:blipFill>
-          <a:blip r:embed="rId3"/>
+          <a:blip r:embed="rId1"/>
           <a:stretch>
             <a:fillRect/>
           </a:stretch>
@@ -15874,6 +16110,16 @@
               </a:rPr>
               <a:t>内存碎片</a:t>
             </a:r>
+            <a:endParaRPr lang="zh-CN" altLang="en-US" sz="1600" dirty="0" smtClean="0">
+              <a:solidFill>
+                <a:schemeClr val="tx1">
+                  <a:lumMod val="75000"/>
+                  <a:lumOff val="25000"/>
+                </a:schemeClr>
+              </a:solidFill>
+              <a:latin typeface="微软雅黑" panose="020B0503020204020204" pitchFamily="34" charset="-122"/>
+              <a:ea typeface="微软雅黑" panose="020B0503020204020204" pitchFamily="34" charset="-122"/>
+            </a:endParaRPr>
           </a:p>
         </p:txBody>
       </p:sp>
@@ -15921,7 +16167,7 @@
           <p:nvPr/>
         </p:nvPicPr>
         <p:blipFill>
-          <a:blip r:embed="rId3">
+          <a:blip r:embed="rId1">
             <a:extLst>
               <a:ext uri="{28A0092B-C50C-407E-A947-70E740481C1C}">
                 <a14:useLocalDpi xmlns:a14="http://schemas.microsoft.com/office/drawing/2010/main" val="0"/>
@@ -16193,6 +16439,16 @@
               </a:rPr>
               <a:t>CompositeByteBuf</a:t>
             </a:r>
+            <a:endParaRPr lang="zh-CN" altLang="en-US" sz="1200" dirty="0" smtClean="0">
+              <a:solidFill>
+                <a:schemeClr val="tx1">
+                  <a:lumMod val="75000"/>
+                  <a:lumOff val="25000"/>
+                </a:schemeClr>
+              </a:solidFill>
+              <a:latin typeface="微软雅黑" panose="020B0503020204020204" pitchFamily="34" charset="-122"/>
+              <a:ea typeface="微软雅黑" panose="020B0503020204020204" pitchFamily="34" charset="-122"/>
+            </a:endParaRPr>
           </a:p>
           <a:p>
             <a:pPr algn="l"/>
@@ -16235,6 +16491,16 @@
               </a:rPr>
               <a:t>.wrappedBuffer(byte[] array, int offset, int length)</a:t>
             </a:r>
+            <a:endParaRPr lang="en-US" altLang="zh-CN" sz="1200" dirty="0" smtClean="0">
+              <a:solidFill>
+                <a:schemeClr val="tx1">
+                  <a:lumMod val="75000"/>
+                  <a:lumOff val="25000"/>
+                </a:schemeClr>
+              </a:solidFill>
+              <a:latin typeface="微软雅黑" panose="020B0503020204020204" pitchFamily="34" charset="-122"/>
+              <a:ea typeface="微软雅黑" panose="020B0503020204020204" pitchFamily="34" charset="-122"/>
+            </a:endParaRPr>
           </a:p>
           <a:p>
             <a:pPr algn="l"/>
@@ -16264,6 +16530,16 @@
               </a:rPr>
               <a:t>ByteBuf.slice(int index, int length) &amp; duplicate();</a:t>
             </a:r>
+            <a:endParaRPr lang="en-US" altLang="zh-CN" sz="1200" dirty="0" smtClean="0">
+              <a:solidFill>
+                <a:schemeClr val="tx1">
+                  <a:lumMod val="75000"/>
+                  <a:lumOff val="25000"/>
+                </a:schemeClr>
+              </a:solidFill>
+              <a:latin typeface="微软雅黑" panose="020B0503020204020204" pitchFamily="34" charset="-122"/>
+              <a:ea typeface="微软雅黑" panose="020B0503020204020204" pitchFamily="34" charset="-122"/>
+            </a:endParaRPr>
           </a:p>
           <a:p>
             <a:pPr algn="l"/>
@@ -16293,6 +16569,16 @@
               </a:rPr>
               <a:t>FileRegion  -》 FileChannel.tranferTo</a:t>
             </a:r>
+            <a:endParaRPr lang="zh-CN" altLang="en-US" sz="1200" dirty="0" smtClean="0">
+              <a:solidFill>
+                <a:schemeClr val="tx1">
+                  <a:lumMod val="75000"/>
+                  <a:lumOff val="25000"/>
+                </a:schemeClr>
+              </a:solidFill>
+              <a:latin typeface="微软雅黑" panose="020B0503020204020204" pitchFamily="34" charset="-122"/>
+              <a:ea typeface="微软雅黑" panose="020B0503020204020204" pitchFamily="34" charset="-122"/>
+            </a:endParaRPr>
           </a:p>
         </p:txBody>
       </p:sp>
@@ -16586,11 +16872,6 @@
         </p:txBody>
       </p:sp>
     </p:spTree>
-    <p:extLst>
-      <p:ext uri="{BB962C8B-B14F-4D97-AF65-F5344CB8AC3E}">
-        <p14:creationId xmlns:p14="http://schemas.microsoft.com/office/powerpoint/2010/main" val="298562491"/>
-      </p:ext>
-    </p:extLst>
   </p:cSld>
   <p:clrMapOvr>
     <a:masterClrMapping/>
@@ -17058,11 +17339,6 @@
         </p:txBody>
       </p:sp>
     </p:spTree>
-    <p:extLst>
-      <p:ext uri="{BB962C8B-B14F-4D97-AF65-F5344CB8AC3E}">
-        <p14:creationId xmlns:p14="http://schemas.microsoft.com/office/powerpoint/2010/main" val="3452614225"/>
-      </p:ext>
-    </p:extLst>
   </p:cSld>
   <p:clrMapOvr>
     <a:masterClrMapping/>
@@ -17260,7 +17536,7 @@
           <p:nvPr/>
         </p:nvPicPr>
         <p:blipFill>
-          <a:blip r:embed="rId3"/>
+          <a:blip r:embed="rId1"/>
           <a:stretch>
             <a:fillRect/>
           </a:stretch>
@@ -17276,11 +17552,6 @@
         </p:spPr>
       </p:pic>
     </p:spTree>
-    <p:extLst>
-      <p:ext uri="{BB962C8B-B14F-4D97-AF65-F5344CB8AC3E}">
-        <p14:creationId xmlns:p14="http://schemas.microsoft.com/office/powerpoint/2010/main" val="2804002387"/>
-      </p:ext>
-    </p:extLst>
   </p:cSld>
   <p:clrMapOvr>
     <a:masterClrMapping/>
@@ -17456,7 +17727,7 @@
           <p:nvPr/>
         </p:nvPicPr>
         <p:blipFill>
-          <a:blip r:embed="rId3"/>
+          <a:blip r:embed="rId1"/>
           <a:stretch>
             <a:fillRect/>
           </a:stretch>
@@ -17935,6 +18206,16 @@
               </a:rPr>
               <a:t> -&gt;</a:t>
             </a:r>
+            <a:endParaRPr lang="en-US" altLang="zh-CN" sz="1200" dirty="0" smtClean="0">
+              <a:solidFill>
+                <a:schemeClr val="tx1">
+                  <a:lumMod val="75000"/>
+                  <a:lumOff val="25000"/>
+                </a:schemeClr>
+              </a:solidFill>
+              <a:latin typeface="微软雅黑" panose="020B0503020204020204" pitchFamily="34" charset="-122"/>
+              <a:ea typeface="微软雅黑" panose="020B0503020204020204" pitchFamily="34" charset="-122"/>
+            </a:endParaRPr>
           </a:p>
           <a:p>
             <a:r>
@@ -18115,75 +18396,6 @@
               </a:rPr>
               <a:t> -&gt; </a:t>
             </a:r>
-          </a:p>
-          <a:p>
-            <a:r>
-              <a:rPr lang="en-US" altLang="zh-CN" sz="1200" dirty="0" err="1">
-                <a:solidFill>
-                  <a:schemeClr val="tx1">
-                    <a:lumMod val="75000"/>
-                    <a:lumOff val="25000"/>
-                  </a:schemeClr>
-                </a:solidFill>
-                <a:latin typeface="微软雅黑" panose="020B0503020204020204" pitchFamily="34" charset="-122"/>
-                <a:ea typeface="微软雅黑" panose="020B0503020204020204" pitchFamily="34" charset="-122"/>
-              </a:rPr>
-              <a:t>HttpServerCodec</a:t>
-            </a:r>
-            <a:r>
-              <a:rPr lang="en-US" altLang="zh-CN" sz="1200" dirty="0">
-                <a:solidFill>
-                  <a:schemeClr val="tx1">
-                    <a:lumMod val="75000"/>
-                    <a:lumOff val="25000"/>
-                  </a:schemeClr>
-                </a:solidFill>
-                <a:latin typeface="微软雅黑" panose="020B0503020204020204" pitchFamily="34" charset="-122"/>
-                <a:ea typeface="微软雅黑" panose="020B0503020204020204" pitchFamily="34" charset="-122"/>
-              </a:rPr>
-              <a:t>  --&gt;  </a:t>
-            </a:r>
-          </a:p>
-          <a:p>
-            <a:r>
-              <a:rPr lang="en-US" altLang="zh-CN" sz="1200" dirty="0" err="1">
-                <a:solidFill>
-                  <a:schemeClr val="tx1">
-                    <a:lumMod val="75000"/>
-                    <a:lumOff val="25000"/>
-                  </a:schemeClr>
-                </a:solidFill>
-                <a:latin typeface="微软雅黑" panose="020B0503020204020204" pitchFamily="34" charset="-122"/>
-                <a:ea typeface="微软雅黑" panose="020B0503020204020204" pitchFamily="34" charset="-122"/>
-              </a:rPr>
-              <a:t>HttpServerHandler</a:t>
-            </a:r>
-            <a:r>
-              <a:rPr lang="en-US" altLang="zh-CN" sz="1200" dirty="0">
-                <a:solidFill>
-                  <a:schemeClr val="tx1">
-                    <a:lumMod val="75000"/>
-                    <a:lumOff val="25000"/>
-                  </a:schemeClr>
-                </a:solidFill>
-                <a:latin typeface="微软雅黑" panose="020B0503020204020204" pitchFamily="34" charset="-122"/>
-                <a:ea typeface="微软雅黑" panose="020B0503020204020204" pitchFamily="34" charset="-122"/>
-              </a:rPr>
-              <a:t>  -&gt; </a:t>
-            </a:r>
-            <a:r>
-              <a:rPr lang="en-US" altLang="zh-CN" sz="1200" dirty="0" err="1">
-                <a:solidFill>
-                  <a:schemeClr val="tx1">
-                    <a:lumMod val="75000"/>
-                    <a:lumOff val="25000"/>
-                  </a:schemeClr>
-                </a:solidFill>
-                <a:latin typeface="微软雅黑" panose="020B0503020204020204" pitchFamily="34" charset="-122"/>
-                <a:ea typeface="微软雅黑" panose="020B0503020204020204" pitchFamily="34" charset="-122"/>
-              </a:rPr>
-              <a:t>HttpServerOperations.onHandlerStart</a:t>
-            </a:r>
             <a:endParaRPr lang="en-US" altLang="zh-CN" sz="1200" dirty="0">
               <a:solidFill>
                 <a:schemeClr val="tx1">
@@ -18197,6 +18409,95 @@
           </a:p>
           <a:p>
             <a:r>
+              <a:rPr lang="en-US" altLang="zh-CN" sz="1200" dirty="0" err="1">
+                <a:solidFill>
+                  <a:schemeClr val="tx1">
+                    <a:lumMod val="75000"/>
+                    <a:lumOff val="25000"/>
+                  </a:schemeClr>
+                </a:solidFill>
+                <a:latin typeface="微软雅黑" panose="020B0503020204020204" pitchFamily="34" charset="-122"/>
+                <a:ea typeface="微软雅黑" panose="020B0503020204020204" pitchFamily="34" charset="-122"/>
+              </a:rPr>
+              <a:t>HttpServerCodec</a:t>
+            </a:r>
+            <a:r>
+              <a:rPr lang="en-US" altLang="zh-CN" sz="1200" dirty="0">
+                <a:solidFill>
+                  <a:schemeClr val="tx1">
+                    <a:lumMod val="75000"/>
+                    <a:lumOff val="25000"/>
+                  </a:schemeClr>
+                </a:solidFill>
+                <a:latin typeface="微软雅黑" panose="020B0503020204020204" pitchFamily="34" charset="-122"/>
+                <a:ea typeface="微软雅黑" panose="020B0503020204020204" pitchFamily="34" charset="-122"/>
+              </a:rPr>
+              <a:t>  --&gt;  </a:t>
+            </a:r>
+            <a:endParaRPr lang="en-US" altLang="zh-CN" sz="1200" dirty="0">
+              <a:solidFill>
+                <a:schemeClr val="tx1">
+                  <a:lumMod val="75000"/>
+                  <a:lumOff val="25000"/>
+                </a:schemeClr>
+              </a:solidFill>
+              <a:latin typeface="微软雅黑" panose="020B0503020204020204" pitchFamily="34" charset="-122"/>
+              <a:ea typeface="微软雅黑" panose="020B0503020204020204" pitchFamily="34" charset="-122"/>
+            </a:endParaRPr>
+          </a:p>
+          <a:p>
+            <a:r>
+              <a:rPr lang="en-US" altLang="zh-CN" sz="1200" dirty="0" err="1">
+                <a:solidFill>
+                  <a:schemeClr val="tx1">
+                    <a:lumMod val="75000"/>
+                    <a:lumOff val="25000"/>
+                  </a:schemeClr>
+                </a:solidFill>
+                <a:latin typeface="微软雅黑" panose="020B0503020204020204" pitchFamily="34" charset="-122"/>
+                <a:ea typeface="微软雅黑" panose="020B0503020204020204" pitchFamily="34" charset="-122"/>
+              </a:rPr>
+              <a:t>HttpServerHandler</a:t>
+            </a:r>
+            <a:r>
+              <a:rPr lang="en-US" altLang="zh-CN" sz="1200" dirty="0">
+                <a:solidFill>
+                  <a:schemeClr val="tx1">
+                    <a:lumMod val="75000"/>
+                    <a:lumOff val="25000"/>
+                  </a:schemeClr>
+                </a:solidFill>
+                <a:latin typeface="微软雅黑" panose="020B0503020204020204" pitchFamily="34" charset="-122"/>
+                <a:ea typeface="微软雅黑" panose="020B0503020204020204" pitchFamily="34" charset="-122"/>
+              </a:rPr>
+              <a:t>  -&gt; </a:t>
+            </a:r>
+            <a:r>
+              <a:rPr lang="en-US" altLang="zh-CN" sz="1200" dirty="0" err="1">
+                <a:solidFill>
+                  <a:schemeClr val="tx1">
+                    <a:lumMod val="75000"/>
+                    <a:lumOff val="25000"/>
+                  </a:schemeClr>
+                </a:solidFill>
+                <a:latin typeface="微软雅黑" panose="020B0503020204020204" pitchFamily="34" charset="-122"/>
+                <a:ea typeface="微软雅黑" panose="020B0503020204020204" pitchFamily="34" charset="-122"/>
+              </a:rPr>
+              <a:t>HttpServerOperations.onHandlerStart</a:t>
+            </a:r>
+            <a:endParaRPr lang="en-US" altLang="zh-CN" sz="1200" dirty="0">
+              <a:solidFill>
+                <a:schemeClr val="tx1">
+                  <a:lumMod val="75000"/>
+                  <a:lumOff val="25000"/>
+                </a:schemeClr>
+              </a:solidFill>
+              <a:latin typeface="微软雅黑" panose="020B0503020204020204" pitchFamily="34" charset="-122"/>
+              <a:ea typeface="微软雅黑" panose="020B0503020204020204" pitchFamily="34" charset="-122"/>
+            </a:endParaRPr>
+          </a:p>
+          <a:p>
+            <a:r>
               <a:rPr lang="en-US" altLang="zh-CN" sz="1200" dirty="0" err="1" smtClean="0">
                 <a:solidFill>
                   <a:schemeClr val="tx1">
@@ -18283,11 +18584,6 @@
         </p:txBody>
       </p:sp>
     </p:spTree>
-    <p:extLst>
-      <p:ext uri="{BB962C8B-B14F-4D97-AF65-F5344CB8AC3E}">
-        <p14:creationId xmlns:p14="http://schemas.microsoft.com/office/powerpoint/2010/main" val="30769076"/>
-      </p:ext>
-    </p:extLst>
   </p:cSld>
   <p:clrMapOvr>
     <a:masterClrMapping/>
@@ -18901,34 +19197,6 @@
               </a:rPr>
               <a:t> </a:t>
             </a:r>
-          </a:p>
-          <a:p>
-            <a:r>
-              <a:rPr lang="en-US" altLang="zh-CN" sz="1200" dirty="0" smtClean="0">
-                <a:solidFill>
-                  <a:schemeClr val="tx1">
-                    <a:lumMod val="75000"/>
-                    <a:lumOff val="25000"/>
-                  </a:schemeClr>
-                </a:solidFill>
-                <a:latin typeface="微软雅黑" panose="020B0503020204020204" pitchFamily="34" charset="-122"/>
-                <a:ea typeface="微软雅黑" panose="020B0503020204020204" pitchFamily="34" charset="-122"/>
-              </a:rPr>
-              <a:t>          	</a:t>
-            </a:r>
-            <a:r>
-              <a:rPr lang="en-US" altLang="zh-CN" sz="1200" dirty="0" err="1" smtClean="0">
-                <a:solidFill>
-                  <a:schemeClr val="tx1">
-                    <a:lumMod val="75000"/>
-                    <a:lumOff val="25000"/>
-                  </a:schemeClr>
-                </a:solidFill>
-                <a:latin typeface="微软雅黑" panose="020B0503020204020204" pitchFamily="34" charset="-122"/>
-                <a:ea typeface="微软雅黑" panose="020B0503020204020204" pitchFamily="34" charset="-122"/>
-              </a:rPr>
-              <a:t>SimpleHandlerAdapter</a:t>
-            </a:r>
             <a:endParaRPr lang="en-US" altLang="zh-CN" sz="1200" dirty="0" smtClean="0">
               <a:solidFill>
                 <a:schemeClr val="tx1">
@@ -18952,7 +19220,7 @@
                 <a:latin typeface="微软雅黑" panose="020B0503020204020204" pitchFamily="34" charset="-122"/>
                 <a:ea typeface="微软雅黑" panose="020B0503020204020204" pitchFamily="34" charset="-122"/>
               </a:rPr>
-              <a:t>       </a:t>
+              <a:t>          	</a:t>
             </a:r>
             <a:r>
               <a:rPr lang="en-US" altLang="zh-CN" sz="1200" dirty="0" err="1" smtClean="0">
@@ -18965,7 +19233,7 @@
                 <a:latin typeface="微软雅黑" panose="020B0503020204020204" pitchFamily="34" charset="-122"/>
                 <a:ea typeface="微软雅黑" panose="020B0503020204020204" pitchFamily="34" charset="-122"/>
               </a:rPr>
-              <a:t>resultHandlers</a:t>
+              <a:t>SimpleHandlerAdapter</a:t>
             </a:r>
             <a:endParaRPr lang="en-US" altLang="zh-CN" sz="1200" dirty="0" smtClean="0">
               <a:solidFill>
@@ -18990,7 +19258,7 @@
                 <a:latin typeface="微软雅黑" panose="020B0503020204020204" pitchFamily="34" charset="-122"/>
                 <a:ea typeface="微软雅黑" panose="020B0503020204020204" pitchFamily="34" charset="-122"/>
               </a:rPr>
-              <a:t>          	</a:t>
+              <a:t>       </a:t>
             </a:r>
             <a:r>
               <a:rPr lang="en-US" altLang="zh-CN" sz="1200" dirty="0" err="1" smtClean="0">
@@ -19003,7 +19271,7 @@
                 <a:latin typeface="微软雅黑" panose="020B0503020204020204" pitchFamily="34" charset="-122"/>
                 <a:ea typeface="微软雅黑" panose="020B0503020204020204" pitchFamily="34" charset="-122"/>
               </a:rPr>
-              <a:t>ResponseEntityResultHandler</a:t>
+              <a:t>resultHandlers</a:t>
             </a:r>
             <a:endParaRPr lang="en-US" altLang="zh-CN" sz="1200" dirty="0" smtClean="0">
               <a:solidFill>
@@ -19041,7 +19309,7 @@
                 <a:latin typeface="微软雅黑" panose="020B0503020204020204" pitchFamily="34" charset="-122"/>
                 <a:ea typeface="微软雅黑" panose="020B0503020204020204" pitchFamily="34" charset="-122"/>
               </a:rPr>
-              <a:t>ServerResponseResultHandler</a:t>
+              <a:t>ResponseEntityResultHandler</a:t>
             </a:r>
             <a:endParaRPr lang="en-US" altLang="zh-CN" sz="1200" dirty="0" smtClean="0">
               <a:solidFill>
@@ -19079,7 +19347,7 @@
                 <a:latin typeface="微软雅黑" panose="020B0503020204020204" pitchFamily="34" charset="-122"/>
                 <a:ea typeface="微软雅黑" panose="020B0503020204020204" pitchFamily="34" charset="-122"/>
               </a:rPr>
-              <a:t>ResponseBodyResultHandler</a:t>
+              <a:t>ServerResponseResultHandler</a:t>
             </a:r>
             <a:endParaRPr lang="en-US" altLang="zh-CN" sz="1200" dirty="0" smtClean="0">
               <a:solidFill>
@@ -19117,7 +19385,7 @@
                 <a:latin typeface="微软雅黑" panose="020B0503020204020204" pitchFamily="34" charset="-122"/>
                 <a:ea typeface="微软雅黑" panose="020B0503020204020204" pitchFamily="34" charset="-122"/>
               </a:rPr>
-              <a:t>ViewResolutionResultHandler</a:t>
+              <a:t>ResponseBodyResultHandler</a:t>
             </a:r>
             <a:endParaRPr lang="en-US" altLang="zh-CN" sz="1200" dirty="0" smtClean="0">
               <a:solidFill>
@@ -19131,6 +19399,32 @@
             </a:endParaRPr>
           </a:p>
           <a:p>
+            <a:r>
+              <a:rPr lang="en-US" altLang="zh-CN" sz="1200" dirty="0" smtClean="0">
+                <a:solidFill>
+                  <a:schemeClr val="tx1">
+                    <a:lumMod val="75000"/>
+                    <a:lumOff val="25000"/>
+                  </a:schemeClr>
+                </a:solidFill>
+                <a:latin typeface="微软雅黑" panose="020B0503020204020204" pitchFamily="34" charset="-122"/>
+                <a:ea typeface="微软雅黑" panose="020B0503020204020204" pitchFamily="34" charset="-122"/>
+              </a:rPr>
+              <a:t>          	</a:t>
+            </a:r>
+            <a:r>
+              <a:rPr lang="en-US" altLang="zh-CN" sz="1200" dirty="0" err="1" smtClean="0">
+                <a:solidFill>
+                  <a:schemeClr val="tx1">
+                    <a:lumMod val="75000"/>
+                    <a:lumOff val="25000"/>
+                  </a:schemeClr>
+                </a:solidFill>
+                <a:latin typeface="微软雅黑" panose="020B0503020204020204" pitchFamily="34" charset="-122"/>
+                <a:ea typeface="微软雅黑" panose="020B0503020204020204" pitchFamily="34" charset="-122"/>
+              </a:rPr>
+              <a:t>ViewResolutionResultHandler</a:t>
+            </a:r>
             <a:endParaRPr lang="en-US" altLang="zh-CN" sz="1200" dirty="0" smtClean="0">
               <a:solidFill>
                 <a:schemeClr val="tx1">
@@ -19143,6 +19437,18 @@
             </a:endParaRPr>
           </a:p>
           <a:p>
+            <a:endParaRPr lang="en-US" altLang="zh-CN" sz="1200" dirty="0" smtClean="0">
+              <a:solidFill>
+                <a:schemeClr val="tx1">
+                  <a:lumMod val="75000"/>
+                  <a:lumOff val="25000"/>
+                </a:schemeClr>
+              </a:solidFill>
+              <a:latin typeface="微软雅黑" panose="020B0503020204020204" pitchFamily="34" charset="-122"/>
+              <a:ea typeface="微软雅黑" panose="020B0503020204020204" pitchFamily="34" charset="-122"/>
+            </a:endParaRPr>
+          </a:p>
+          <a:p>
             <a:endParaRPr lang="en-US" altLang="zh-CN" sz="1200" dirty="0">
               <a:solidFill>
                 <a:schemeClr val="tx1">
@@ -19181,11 +19487,6 @@
         </p:txBody>
       </p:sp>
     </p:spTree>
-    <p:extLst>
-      <p:ext uri="{BB962C8B-B14F-4D97-AF65-F5344CB8AC3E}">
-        <p14:creationId xmlns:p14="http://schemas.microsoft.com/office/powerpoint/2010/main" val="3485583333"/>
-      </p:ext>
-    </p:extLst>
   </p:cSld>
   <p:clrMapOvr>
     <a:masterClrMapping/>
@@ -19197,6 +19498,1105 @@
 </file>
 
 <file path=ppt/slides/slide32.xml><?xml version="1.0" encoding="utf-8"?>
+<p:sld xmlns:a="http://schemas.openxmlformats.org/drawingml/2006/main" xmlns:r="http://schemas.openxmlformats.org/officeDocument/2006/relationships" xmlns:p="http://schemas.openxmlformats.org/presentationml/2006/main">
+  <p:cSld>
+    <p:spTree>
+      <p:nvGrpSpPr>
+        <p:cNvPr id="1" name=""/>
+        <p:cNvGrpSpPr/>
+        <p:nvPr/>
+      </p:nvGrpSpPr>
+      <p:grpSpPr>
+        <a:xfrm>
+          <a:off x="0" y="0"/>
+          <a:ext cx="0" cy="0"/>
+          <a:chOff x="0" y="0"/>
+          <a:chExt cx="0" cy="0"/>
+        </a:xfrm>
+      </p:grpSpPr>
+      <p:sp>
+        <p:nvSpPr>
+          <p:cNvPr id="31" name="Title 1"/>
+          <p:cNvSpPr txBox="1"/>
+          <p:nvPr/>
+        </p:nvSpPr>
+        <p:spPr>
+          <a:xfrm>
+            <a:off x="857885" y="200025"/>
+            <a:ext cx="4142105" cy="379730"/>
+          </a:xfrm>
+          <a:prstGeom prst="rect">
+            <a:avLst/>
+          </a:prstGeom>
+        </p:spPr>
+        <p:txBody>
+          <a:bodyPr lIns="0" rIns="0" anchor="ctr">
+            <a:noAutofit/>
+          </a:bodyPr>
+          <a:lstStyle>
+            <a:lvl1pPr algn="ctr" defTabSz="914400" rtl="0" eaLnBrk="1" latinLnBrk="0" hangingPunct="1">
+              <a:spcBef>
+                <a:spcPct val="0"/>
+              </a:spcBef>
+              <a:buNone/>
+              <a:defRPr sz="3000" b="0" kern="1200">
+                <a:solidFill>
+                  <a:schemeClr val="accent1"/>
+                </a:solidFill>
+                <a:latin typeface="U.S. 101" pitchFamily="2" charset="0"/>
+                <a:ea typeface="Roboto" pitchFamily="2" charset="0"/>
+                <a:cs typeface="Open Sans Light" panose="020B0306030504020204" pitchFamily="34" charset="0"/>
+              </a:defRPr>
+            </a:lvl1pPr>
+          </a:lstStyle>
+          <a:p>
+            <a:pPr algn="l"/>
+            <a:r>
+              <a:rPr lang="en-US" altLang="zh-CN" sz="2400" b="1" dirty="0" smtClean="0">
+                <a:solidFill>
+                  <a:schemeClr val="tx1">
+                    <a:lumMod val="75000"/>
+                    <a:lumOff val="25000"/>
+                  </a:schemeClr>
+                </a:solidFill>
+                <a:latin typeface="微软雅黑" panose="020B0503020204020204" pitchFamily="34" charset="-122"/>
+                <a:ea typeface="微软雅黑" panose="020B0503020204020204" pitchFamily="34" charset="-122"/>
+              </a:rPr>
+              <a:t>SpringCloudGateway</a:t>
+            </a:r>
+            <a:r>
+              <a:rPr lang="zh-CN" altLang="en-US" sz="2400" b="1" dirty="0" smtClean="0">
+                <a:solidFill>
+                  <a:schemeClr val="tx1">
+                    <a:lumMod val="75000"/>
+                    <a:lumOff val="25000"/>
+                  </a:schemeClr>
+                </a:solidFill>
+                <a:latin typeface="微软雅黑" panose="020B0503020204020204" pitchFamily="34" charset="-122"/>
+                <a:ea typeface="微软雅黑" panose="020B0503020204020204" pitchFamily="34" charset="-122"/>
+              </a:rPr>
+              <a:t>介绍</a:t>
+            </a:r>
+            <a:endParaRPr lang="en-GB" altLang="zh-CN" sz="2400" b="1" dirty="0">
+              <a:solidFill>
+                <a:schemeClr val="tx1">
+                  <a:lumMod val="75000"/>
+                  <a:lumOff val="25000"/>
+                </a:schemeClr>
+              </a:solidFill>
+              <a:latin typeface="微软雅黑" panose="020B0503020204020204" pitchFamily="34" charset="-122"/>
+              <a:ea typeface="微软雅黑" panose="020B0503020204020204" pitchFamily="34" charset="-122"/>
+            </a:endParaRPr>
+          </a:p>
+        </p:txBody>
+      </p:sp>
+      <p:sp>
+        <p:nvSpPr>
+          <p:cNvPr id="4" name="Title 1"/>
+          <p:cNvSpPr txBox="1"/>
+          <p:nvPr/>
+        </p:nvSpPr>
+        <p:spPr>
+          <a:xfrm>
+            <a:off x="3347864" y="200025"/>
+            <a:ext cx="3564205" cy="472212"/>
+          </a:xfrm>
+          <a:prstGeom prst="rect">
+            <a:avLst/>
+          </a:prstGeom>
+        </p:spPr>
+        <p:txBody>
+          <a:bodyPr lIns="0" rIns="0" anchor="ctr">
+            <a:noAutofit/>
+          </a:bodyPr>
+          <a:lstStyle>
+            <a:lvl1pPr algn="ctr" defTabSz="914400" rtl="0" eaLnBrk="1" latinLnBrk="0" hangingPunct="1">
+              <a:spcBef>
+                <a:spcPct val="0"/>
+              </a:spcBef>
+              <a:buNone/>
+              <a:defRPr sz="3000" b="0" kern="1200">
+                <a:solidFill>
+                  <a:schemeClr val="accent1"/>
+                </a:solidFill>
+                <a:latin typeface="U.S. 101" pitchFamily="2" charset="0"/>
+                <a:ea typeface="Roboto" pitchFamily="2" charset="0"/>
+                <a:cs typeface="Open Sans Light" panose="020B0306030504020204" pitchFamily="34" charset="0"/>
+              </a:defRPr>
+            </a:lvl1pPr>
+          </a:lstStyle>
+          <a:p>
+            <a:pPr algn="l"/>
+            <a:endParaRPr lang="zh-CN" altLang="en-US" sz="1600" dirty="0" smtClean="0">
+              <a:solidFill>
+                <a:schemeClr val="tx1">
+                  <a:lumMod val="75000"/>
+                  <a:lumOff val="25000"/>
+                </a:schemeClr>
+              </a:solidFill>
+              <a:latin typeface="微软雅黑" panose="020B0503020204020204" pitchFamily="34" charset="-122"/>
+              <a:ea typeface="微软雅黑" panose="020B0503020204020204" pitchFamily="34" charset="-122"/>
+            </a:endParaRPr>
+          </a:p>
+        </p:txBody>
+      </p:sp>
+      <p:sp>
+        <p:nvSpPr>
+          <p:cNvPr id="9" name="AutoShape 9" descr="https://user-gold-cdn.xitu.io/2018/2/22/161bde930e5fefd9?imageView2/0/w/1280/h/960/format/webp/ignore-error/1"/>
+          <p:cNvSpPr>
+            <a:spLocks noChangeAspect="1" noChangeArrowheads="1"/>
+          </p:cNvSpPr>
+          <p:nvPr/>
+        </p:nvSpPr>
+        <p:spPr bwMode="auto">
+          <a:xfrm>
+            <a:off x="307975" y="7937"/>
+            <a:ext cx="304800" cy="304801"/>
+          </a:xfrm>
+          <a:prstGeom prst="rect">
+            <a:avLst/>
+          </a:prstGeom>
+          <a:noFill/>
+          <a:extLst>
+            <a:ext uri="{909E8E84-426E-40DD-AFC4-6F175D3DCCD1}">
+              <a14:hiddenFill xmlns:a14="http://schemas.microsoft.com/office/drawing/2010/main">
+                <a:solidFill>
+                  <a:srgbClr val="FFFFFF"/>
+                </a:solidFill>
+              </a14:hiddenFill>
+            </a:ext>
+          </a:extLst>
+        </p:spPr>
+        <p:txBody>
+          <a:bodyPr vert="horz" wrap="square" lIns="91440" tIns="45720" rIns="91440" bIns="45720" numCol="1" anchor="t" anchorCtr="0" compatLnSpc="1"/>
+          <a:lstStyle/>
+          <a:p>
+            <a:endParaRPr lang="zh-CN" altLang="en-US"/>
+          </a:p>
+        </p:txBody>
+      </p:sp>
+      <p:pic>
+        <p:nvPicPr>
+          <p:cNvPr id="2" name="图片 1"/>
+          <p:cNvPicPr>
+            <a:picLocks noChangeAspect="1"/>
+          </p:cNvPicPr>
+          <p:nvPr/>
+        </p:nvPicPr>
+        <p:blipFill>
+          <a:blip r:embed="rId1"/>
+          <a:stretch>
+            <a:fillRect/>
+          </a:stretch>
+        </p:blipFill>
+        <p:spPr>
+          <a:xfrm>
+            <a:off x="765175" y="728980"/>
+            <a:ext cx="7857490" cy="4413885"/>
+          </a:xfrm>
+          <a:prstGeom prst="rect">
+            <a:avLst/>
+          </a:prstGeom>
+        </p:spPr>
+      </p:pic>
+    </p:spTree>
+  </p:cSld>
+  <p:clrMapOvr>
+    <a:masterClrMapping/>
+  </p:clrMapOvr>
+  <p:transition spd="slow" advClick="0" advTm="0">
+    <p:cover/>
+  </p:transition>
+</p:sld>
+</file>
+
+<file path=ppt/slides/slide33.xml><?xml version="1.0" encoding="utf-8"?>
+<p:sld xmlns:a="http://schemas.openxmlformats.org/drawingml/2006/main" xmlns:r="http://schemas.openxmlformats.org/officeDocument/2006/relationships" xmlns:p="http://schemas.openxmlformats.org/presentationml/2006/main">
+  <p:cSld>
+    <p:spTree>
+      <p:nvGrpSpPr>
+        <p:cNvPr id="1" name=""/>
+        <p:cNvGrpSpPr/>
+        <p:nvPr/>
+      </p:nvGrpSpPr>
+      <p:grpSpPr>
+        <a:xfrm>
+          <a:off x="0" y="0"/>
+          <a:ext cx="0" cy="0"/>
+          <a:chOff x="0" y="0"/>
+          <a:chExt cx="0" cy="0"/>
+        </a:xfrm>
+      </p:grpSpPr>
+      <p:sp>
+        <p:nvSpPr>
+          <p:cNvPr id="31" name="Title 1"/>
+          <p:cNvSpPr txBox="1"/>
+          <p:nvPr/>
+        </p:nvSpPr>
+        <p:spPr>
+          <a:xfrm>
+            <a:off x="857885" y="200025"/>
+            <a:ext cx="4142105" cy="379730"/>
+          </a:xfrm>
+          <a:prstGeom prst="rect">
+            <a:avLst/>
+          </a:prstGeom>
+        </p:spPr>
+        <p:txBody>
+          <a:bodyPr lIns="0" rIns="0" anchor="ctr">
+            <a:noAutofit/>
+          </a:bodyPr>
+          <a:lstStyle>
+            <a:lvl1pPr algn="ctr" defTabSz="914400" rtl="0" eaLnBrk="1" latinLnBrk="0" hangingPunct="1">
+              <a:spcBef>
+                <a:spcPct val="0"/>
+              </a:spcBef>
+              <a:buNone/>
+              <a:defRPr sz="3000" b="0" kern="1200">
+                <a:solidFill>
+                  <a:schemeClr val="accent1"/>
+                </a:solidFill>
+                <a:latin typeface="U.S. 101" pitchFamily="2" charset="0"/>
+                <a:ea typeface="Roboto" pitchFamily="2" charset="0"/>
+                <a:cs typeface="Open Sans Light" panose="020B0306030504020204" pitchFamily="34" charset="0"/>
+              </a:defRPr>
+            </a:lvl1pPr>
+          </a:lstStyle>
+          <a:p>
+            <a:pPr algn="l"/>
+            <a:r>
+              <a:rPr lang="en-US" altLang="zh-CN" sz="2400" b="1" dirty="0" smtClean="0">
+                <a:solidFill>
+                  <a:schemeClr val="tx1">
+                    <a:lumMod val="75000"/>
+                    <a:lumOff val="25000"/>
+                  </a:schemeClr>
+                </a:solidFill>
+                <a:latin typeface="微软雅黑" panose="020B0503020204020204" pitchFamily="34" charset="-122"/>
+                <a:ea typeface="微软雅黑" panose="020B0503020204020204" pitchFamily="34" charset="-122"/>
+              </a:rPr>
+              <a:t>SpringCloudGateway</a:t>
+            </a:r>
+            <a:r>
+              <a:rPr lang="zh-CN" altLang="en-US" sz="2400" b="1" dirty="0" smtClean="0">
+                <a:solidFill>
+                  <a:schemeClr val="tx1">
+                    <a:lumMod val="75000"/>
+                    <a:lumOff val="25000"/>
+                  </a:schemeClr>
+                </a:solidFill>
+                <a:latin typeface="微软雅黑" panose="020B0503020204020204" pitchFamily="34" charset="-122"/>
+                <a:ea typeface="微软雅黑" panose="020B0503020204020204" pitchFamily="34" charset="-122"/>
+              </a:rPr>
+              <a:t>介绍</a:t>
+            </a:r>
+            <a:endParaRPr lang="en-GB" altLang="zh-CN" sz="2400" b="1" dirty="0">
+              <a:solidFill>
+                <a:schemeClr val="tx1">
+                  <a:lumMod val="75000"/>
+                  <a:lumOff val="25000"/>
+                </a:schemeClr>
+              </a:solidFill>
+              <a:latin typeface="微软雅黑" panose="020B0503020204020204" pitchFamily="34" charset="-122"/>
+              <a:ea typeface="微软雅黑" panose="020B0503020204020204" pitchFamily="34" charset="-122"/>
+            </a:endParaRPr>
+          </a:p>
+        </p:txBody>
+      </p:sp>
+      <p:sp>
+        <p:nvSpPr>
+          <p:cNvPr id="4" name="Title 1"/>
+          <p:cNvSpPr txBox="1"/>
+          <p:nvPr/>
+        </p:nvSpPr>
+        <p:spPr>
+          <a:xfrm>
+            <a:off x="3347864" y="200025"/>
+            <a:ext cx="3564205" cy="472212"/>
+          </a:xfrm>
+          <a:prstGeom prst="rect">
+            <a:avLst/>
+          </a:prstGeom>
+        </p:spPr>
+        <p:txBody>
+          <a:bodyPr lIns="0" rIns="0" anchor="ctr">
+            <a:noAutofit/>
+          </a:bodyPr>
+          <a:lstStyle>
+            <a:lvl1pPr algn="ctr" defTabSz="914400" rtl="0" eaLnBrk="1" latinLnBrk="0" hangingPunct="1">
+              <a:spcBef>
+                <a:spcPct val="0"/>
+              </a:spcBef>
+              <a:buNone/>
+              <a:defRPr sz="3000" b="0" kern="1200">
+                <a:solidFill>
+                  <a:schemeClr val="accent1"/>
+                </a:solidFill>
+                <a:latin typeface="U.S. 101" pitchFamily="2" charset="0"/>
+                <a:ea typeface="Roboto" pitchFamily="2" charset="0"/>
+                <a:cs typeface="Open Sans Light" panose="020B0306030504020204" pitchFamily="34" charset="0"/>
+              </a:defRPr>
+            </a:lvl1pPr>
+          </a:lstStyle>
+          <a:p>
+            <a:pPr algn="l"/>
+            <a:endParaRPr lang="zh-CN" altLang="en-US" sz="1600" dirty="0" smtClean="0">
+              <a:solidFill>
+                <a:schemeClr val="tx1">
+                  <a:lumMod val="75000"/>
+                  <a:lumOff val="25000"/>
+                </a:schemeClr>
+              </a:solidFill>
+              <a:latin typeface="微软雅黑" panose="020B0503020204020204" pitchFamily="34" charset="-122"/>
+              <a:ea typeface="微软雅黑" panose="020B0503020204020204" pitchFamily="34" charset="-122"/>
+            </a:endParaRPr>
+          </a:p>
+        </p:txBody>
+      </p:sp>
+      <p:sp>
+        <p:nvSpPr>
+          <p:cNvPr id="9" name="AutoShape 9" descr="https://user-gold-cdn.xitu.io/2018/2/22/161bde930e5fefd9?imageView2/0/w/1280/h/960/format/webp/ignore-error/1"/>
+          <p:cNvSpPr>
+            <a:spLocks noChangeAspect="1" noChangeArrowheads="1"/>
+          </p:cNvSpPr>
+          <p:nvPr/>
+        </p:nvSpPr>
+        <p:spPr bwMode="auto">
+          <a:xfrm>
+            <a:off x="307975" y="7937"/>
+            <a:ext cx="304800" cy="304801"/>
+          </a:xfrm>
+          <a:prstGeom prst="rect">
+            <a:avLst/>
+          </a:prstGeom>
+          <a:noFill/>
+          <a:extLst>
+            <a:ext uri="{909E8E84-426E-40DD-AFC4-6F175D3DCCD1}">
+              <a14:hiddenFill xmlns:a14="http://schemas.microsoft.com/office/drawing/2010/main">
+                <a:solidFill>
+                  <a:srgbClr val="FFFFFF"/>
+                </a:solidFill>
+              </a14:hiddenFill>
+            </a:ext>
+          </a:extLst>
+        </p:spPr>
+        <p:txBody>
+          <a:bodyPr vert="horz" wrap="square" lIns="91440" tIns="45720" rIns="91440" bIns="45720" numCol="1" anchor="t" anchorCtr="0" compatLnSpc="1"/>
+          <a:lstStyle/>
+          <a:p>
+            <a:endParaRPr lang="zh-CN" altLang="en-US"/>
+          </a:p>
+        </p:txBody>
+      </p:sp>
+      <p:sp>
+        <p:nvSpPr>
+          <p:cNvPr id="3" name="文本框 2"/>
+          <p:cNvSpPr txBox="1"/>
+          <p:nvPr/>
+        </p:nvSpPr>
+        <p:spPr>
+          <a:xfrm>
+            <a:off x="612133" y="1059582"/>
+            <a:ext cx="5976091" cy="3969385"/>
+          </a:xfrm>
+          <a:prstGeom prst="rect">
+            <a:avLst/>
+          </a:prstGeom>
+          <a:noFill/>
+        </p:spPr>
+        <p:txBody>
+          <a:bodyPr wrap="square" rtlCol="0">
+            <a:spAutoFit/>
+          </a:bodyPr>
+          <a:p>
+            <a:r>
+              <a:rPr lang="en-US" altLang="zh-CN" sz="1200" dirty="0" err="1">
+                <a:solidFill>
+                  <a:schemeClr val="tx1">
+                    <a:lumMod val="75000"/>
+                    <a:lumOff val="25000"/>
+                  </a:schemeClr>
+                </a:solidFill>
+                <a:latin typeface="微软雅黑" panose="020B0503020204020204" pitchFamily="34" charset="-122"/>
+                <a:ea typeface="微软雅黑" panose="020B0503020204020204" pitchFamily="34" charset="-122"/>
+              </a:rPr>
+              <a:t>ExceptionHandlingWebHandler</a:t>
+            </a:r>
+            <a:endParaRPr lang="en-US" altLang="zh-CN" sz="1200" dirty="0">
+              <a:solidFill>
+                <a:schemeClr val="tx1">
+                  <a:lumMod val="75000"/>
+                  <a:lumOff val="25000"/>
+                </a:schemeClr>
+              </a:solidFill>
+              <a:latin typeface="微软雅黑" panose="020B0503020204020204" pitchFamily="34" charset="-122"/>
+              <a:ea typeface="微软雅黑" panose="020B0503020204020204" pitchFamily="34" charset="-122"/>
+            </a:endParaRPr>
+          </a:p>
+          <a:p>
+            <a:r>
+              <a:rPr lang="en-US" altLang="zh-CN" sz="1200" dirty="0" err="1">
+                <a:solidFill>
+                  <a:schemeClr val="tx1">
+                    <a:lumMod val="75000"/>
+                    <a:lumOff val="25000"/>
+                  </a:schemeClr>
+                </a:solidFill>
+                <a:latin typeface="微软雅黑" panose="020B0503020204020204" pitchFamily="34" charset="-122"/>
+                <a:ea typeface="微软雅黑" panose="020B0503020204020204" pitchFamily="34" charset="-122"/>
+              </a:rPr>
+              <a:t>FilteringWebHandler</a:t>
+            </a:r>
+            <a:endParaRPr lang="en-US" altLang="zh-CN" sz="1200" dirty="0">
+              <a:solidFill>
+                <a:schemeClr val="tx1">
+                  <a:lumMod val="75000"/>
+                  <a:lumOff val="25000"/>
+                </a:schemeClr>
+              </a:solidFill>
+              <a:latin typeface="微软雅黑" panose="020B0503020204020204" pitchFamily="34" charset="-122"/>
+              <a:ea typeface="微软雅黑" panose="020B0503020204020204" pitchFamily="34" charset="-122"/>
+            </a:endParaRPr>
+          </a:p>
+          <a:p>
+            <a:r>
+              <a:rPr lang="en-US" altLang="zh-CN" sz="1200" dirty="0" err="1">
+                <a:solidFill>
+                  <a:schemeClr val="tx1">
+                    <a:lumMod val="75000"/>
+                    <a:lumOff val="25000"/>
+                  </a:schemeClr>
+                </a:solidFill>
+                <a:latin typeface="微软雅黑" panose="020B0503020204020204" pitchFamily="34" charset="-122"/>
+                <a:ea typeface="微软雅黑" panose="020B0503020204020204" pitchFamily="34" charset="-122"/>
+              </a:rPr>
+              <a:t>DispatcherHandler</a:t>
+            </a:r>
+            <a:endParaRPr lang="en-US" altLang="zh-CN" sz="1200" dirty="0">
+              <a:solidFill>
+                <a:schemeClr val="tx1">
+                  <a:lumMod val="75000"/>
+                  <a:lumOff val="25000"/>
+                </a:schemeClr>
+              </a:solidFill>
+              <a:latin typeface="微软雅黑" panose="020B0503020204020204" pitchFamily="34" charset="-122"/>
+              <a:ea typeface="微软雅黑" panose="020B0503020204020204" pitchFamily="34" charset="-122"/>
+            </a:endParaRPr>
+          </a:p>
+          <a:p>
+            <a:r>
+              <a:rPr lang="en-US" altLang="zh-CN" sz="1200" dirty="0">
+                <a:solidFill>
+                  <a:schemeClr val="tx1">
+                    <a:lumMod val="75000"/>
+                    <a:lumOff val="25000"/>
+                  </a:schemeClr>
+                </a:solidFill>
+                <a:latin typeface="微软雅黑" panose="020B0503020204020204" pitchFamily="34" charset="-122"/>
+                <a:ea typeface="微软雅黑" panose="020B0503020204020204" pitchFamily="34" charset="-122"/>
+              </a:rPr>
+              <a:t>  </a:t>
+            </a:r>
+            <a:r>
+              <a:rPr lang="en-US" altLang="zh-CN" sz="1200" dirty="0" smtClean="0">
+                <a:solidFill>
+                  <a:schemeClr val="tx1">
+                    <a:lumMod val="75000"/>
+                    <a:lumOff val="25000"/>
+                  </a:schemeClr>
+                </a:solidFill>
+                <a:latin typeface="微软雅黑" panose="020B0503020204020204" pitchFamily="34" charset="-122"/>
+                <a:ea typeface="微软雅黑" panose="020B0503020204020204" pitchFamily="34" charset="-122"/>
+              </a:rPr>
+              <a:t>     </a:t>
+            </a:r>
+            <a:r>
+              <a:rPr lang="en-US" altLang="zh-CN" sz="1200" dirty="0" err="1" smtClean="0">
+                <a:solidFill>
+                  <a:schemeClr val="tx1">
+                    <a:lumMod val="75000"/>
+                    <a:lumOff val="25000"/>
+                  </a:schemeClr>
+                </a:solidFill>
+                <a:latin typeface="微软雅黑" panose="020B0503020204020204" pitchFamily="34" charset="-122"/>
+                <a:ea typeface="微软雅黑" panose="020B0503020204020204" pitchFamily="34" charset="-122"/>
+              </a:rPr>
+              <a:t>handlerMappings</a:t>
+            </a:r>
+            <a:endParaRPr lang="en-US" altLang="zh-CN" sz="1200" dirty="0" smtClean="0">
+              <a:solidFill>
+                <a:schemeClr val="tx1">
+                  <a:lumMod val="75000"/>
+                  <a:lumOff val="25000"/>
+                </a:schemeClr>
+              </a:solidFill>
+              <a:latin typeface="微软雅黑" panose="020B0503020204020204" pitchFamily="34" charset="-122"/>
+              <a:ea typeface="微软雅黑" panose="020B0503020204020204" pitchFamily="34" charset="-122"/>
+            </a:endParaRPr>
+          </a:p>
+          <a:p>
+            <a:r>
+              <a:rPr lang="en-US" altLang="zh-CN" sz="1200" dirty="0" smtClean="0">
+                <a:solidFill>
+                  <a:schemeClr val="tx1">
+                    <a:lumMod val="75000"/>
+                    <a:lumOff val="25000"/>
+                  </a:schemeClr>
+                </a:solidFill>
+                <a:latin typeface="微软雅黑" panose="020B0503020204020204" pitchFamily="34" charset="-122"/>
+                <a:ea typeface="微软雅黑" panose="020B0503020204020204" pitchFamily="34" charset="-122"/>
+              </a:rPr>
+              <a:t>          	</a:t>
+            </a:r>
+            <a:r>
+              <a:rPr lang="en-US" altLang="zh-CN" sz="1200" dirty="0" err="1" smtClean="0">
+                <a:solidFill>
+                  <a:schemeClr val="tx1">
+                    <a:lumMod val="75000"/>
+                    <a:lumOff val="25000"/>
+                  </a:schemeClr>
+                </a:solidFill>
+                <a:latin typeface="微软雅黑" panose="020B0503020204020204" pitchFamily="34" charset="-122"/>
+                <a:ea typeface="微软雅黑" panose="020B0503020204020204" pitchFamily="34" charset="-122"/>
+              </a:rPr>
+              <a:t>RouterFunctionMapping</a:t>
+            </a:r>
+            <a:endParaRPr lang="en-US" altLang="zh-CN" sz="1200" dirty="0" smtClean="0">
+              <a:solidFill>
+                <a:schemeClr val="tx1">
+                  <a:lumMod val="75000"/>
+                  <a:lumOff val="25000"/>
+                </a:schemeClr>
+              </a:solidFill>
+              <a:latin typeface="微软雅黑" panose="020B0503020204020204" pitchFamily="34" charset="-122"/>
+              <a:ea typeface="微软雅黑" panose="020B0503020204020204" pitchFamily="34" charset="-122"/>
+            </a:endParaRPr>
+          </a:p>
+          <a:p>
+            <a:r>
+              <a:rPr lang="en-US" altLang="zh-CN" sz="1200" dirty="0" smtClean="0">
+                <a:solidFill>
+                  <a:schemeClr val="tx1">
+                    <a:lumMod val="75000"/>
+                    <a:lumOff val="25000"/>
+                  </a:schemeClr>
+                </a:solidFill>
+                <a:latin typeface="微软雅黑" panose="020B0503020204020204" pitchFamily="34" charset="-122"/>
+                <a:ea typeface="微软雅黑" panose="020B0503020204020204" pitchFamily="34" charset="-122"/>
+              </a:rPr>
+              <a:t>          	</a:t>
+            </a:r>
+            <a:r>
+              <a:rPr lang="en-US" altLang="zh-CN" sz="1200" dirty="0" err="1" smtClean="0">
+                <a:solidFill>
+                  <a:schemeClr val="tx1">
+                    <a:lumMod val="75000"/>
+                    <a:lumOff val="25000"/>
+                  </a:schemeClr>
+                </a:solidFill>
+                <a:latin typeface="微软雅黑" panose="020B0503020204020204" pitchFamily="34" charset="-122"/>
+                <a:ea typeface="微软雅黑" panose="020B0503020204020204" pitchFamily="34" charset="-122"/>
+              </a:rPr>
+              <a:t>RequestMappingHandlerMapping</a:t>
+            </a:r>
+            <a:endParaRPr lang="en-US" altLang="zh-CN" sz="1200" dirty="0" err="1" smtClean="0">
+              <a:solidFill>
+                <a:schemeClr val="tx1">
+                  <a:lumMod val="75000"/>
+                  <a:lumOff val="25000"/>
+                </a:schemeClr>
+              </a:solidFill>
+              <a:latin typeface="微软雅黑" panose="020B0503020204020204" pitchFamily="34" charset="-122"/>
+              <a:ea typeface="微软雅黑" panose="020B0503020204020204" pitchFamily="34" charset="-122"/>
+            </a:endParaRPr>
+          </a:p>
+          <a:p>
+            <a:r>
+              <a:rPr lang="en-US" altLang="zh-CN" sz="1200" dirty="0" smtClean="0">
+                <a:solidFill>
+                  <a:schemeClr val="tx1">
+                    <a:lumMod val="75000"/>
+                    <a:lumOff val="25000"/>
+                  </a:schemeClr>
+                </a:solidFill>
+                <a:latin typeface="微软雅黑" panose="020B0503020204020204" pitchFamily="34" charset="-122"/>
+                <a:ea typeface="微软雅黑" panose="020B0503020204020204" pitchFamily="34" charset="-122"/>
+              </a:rPr>
+              <a:t>	</a:t>
+            </a:r>
+            <a:r>
+              <a:rPr lang="en-US" altLang="zh-CN" sz="1200" dirty="0" smtClean="0">
+                <a:solidFill>
+                  <a:srgbClr val="FF0000"/>
+                </a:solidFill>
+                <a:latin typeface="微软雅黑" panose="020B0503020204020204" pitchFamily="34" charset="-122"/>
+                <a:ea typeface="微软雅黑" panose="020B0503020204020204" pitchFamily="34" charset="-122"/>
+              </a:rPr>
+              <a:t>RoutePredicateHandlerMapping  -&gt; FilteringWebHandler</a:t>
+            </a:r>
+            <a:endParaRPr lang="en-US" altLang="zh-CN" sz="1200" dirty="0" smtClean="0">
+              <a:solidFill>
+                <a:srgbClr val="FF0000"/>
+              </a:solidFill>
+              <a:latin typeface="微软雅黑" panose="020B0503020204020204" pitchFamily="34" charset="-122"/>
+              <a:ea typeface="微软雅黑" panose="020B0503020204020204" pitchFamily="34" charset="-122"/>
+            </a:endParaRPr>
+          </a:p>
+          <a:p>
+            <a:r>
+              <a:rPr lang="en-US" altLang="zh-CN" sz="1200" dirty="0" smtClean="0">
+                <a:solidFill>
+                  <a:schemeClr val="tx1">
+                    <a:lumMod val="75000"/>
+                    <a:lumOff val="25000"/>
+                  </a:schemeClr>
+                </a:solidFill>
+                <a:latin typeface="微软雅黑" panose="020B0503020204020204" pitchFamily="34" charset="-122"/>
+                <a:ea typeface="微软雅黑" panose="020B0503020204020204" pitchFamily="34" charset="-122"/>
+              </a:rPr>
+              <a:t>          	</a:t>
+            </a:r>
+            <a:r>
+              <a:rPr lang="en-US" altLang="zh-CN" sz="1200" dirty="0" err="1" smtClean="0">
+                <a:solidFill>
+                  <a:schemeClr val="tx1">
+                    <a:lumMod val="75000"/>
+                    <a:lumOff val="25000"/>
+                  </a:schemeClr>
+                </a:solidFill>
+                <a:latin typeface="微软雅黑" panose="020B0503020204020204" pitchFamily="34" charset="-122"/>
+                <a:ea typeface="微软雅黑" panose="020B0503020204020204" pitchFamily="34" charset="-122"/>
+              </a:rPr>
+              <a:t>SimpleUrlHandlerMapping</a:t>
+            </a:r>
+            <a:endParaRPr lang="en-US" altLang="zh-CN" sz="1200" dirty="0" smtClean="0">
+              <a:solidFill>
+                <a:schemeClr val="tx1">
+                  <a:lumMod val="75000"/>
+                  <a:lumOff val="25000"/>
+                </a:schemeClr>
+              </a:solidFill>
+              <a:latin typeface="微软雅黑" panose="020B0503020204020204" pitchFamily="34" charset="-122"/>
+              <a:ea typeface="微软雅黑" panose="020B0503020204020204" pitchFamily="34" charset="-122"/>
+            </a:endParaRPr>
+          </a:p>
+          <a:p>
+            <a:r>
+              <a:rPr lang="en-US" altLang="zh-CN" sz="1200" dirty="0" smtClean="0">
+                <a:solidFill>
+                  <a:schemeClr val="tx1">
+                    <a:lumMod val="75000"/>
+                    <a:lumOff val="25000"/>
+                  </a:schemeClr>
+                </a:solidFill>
+                <a:latin typeface="微软雅黑" panose="020B0503020204020204" pitchFamily="34" charset="-122"/>
+                <a:ea typeface="微软雅黑" panose="020B0503020204020204" pitchFamily="34" charset="-122"/>
+              </a:rPr>
+              <a:t>       </a:t>
+            </a:r>
+            <a:r>
+              <a:rPr lang="en-US" altLang="zh-CN" sz="1200" dirty="0" err="1" smtClean="0">
+                <a:solidFill>
+                  <a:schemeClr val="tx1">
+                    <a:lumMod val="75000"/>
+                    <a:lumOff val="25000"/>
+                  </a:schemeClr>
+                </a:solidFill>
+                <a:latin typeface="微软雅黑" panose="020B0503020204020204" pitchFamily="34" charset="-122"/>
+                <a:ea typeface="微软雅黑" panose="020B0503020204020204" pitchFamily="34" charset="-122"/>
+              </a:rPr>
+              <a:t>handlerAdapters</a:t>
+            </a:r>
+            <a:endParaRPr lang="en-US" altLang="zh-CN" sz="1200" dirty="0" smtClean="0">
+              <a:solidFill>
+                <a:schemeClr val="tx1">
+                  <a:lumMod val="75000"/>
+                  <a:lumOff val="25000"/>
+                </a:schemeClr>
+              </a:solidFill>
+              <a:latin typeface="微软雅黑" panose="020B0503020204020204" pitchFamily="34" charset="-122"/>
+              <a:ea typeface="微软雅黑" panose="020B0503020204020204" pitchFamily="34" charset="-122"/>
+            </a:endParaRPr>
+          </a:p>
+          <a:p>
+            <a:r>
+              <a:rPr lang="en-US" altLang="zh-CN" sz="1200" dirty="0" smtClean="0">
+                <a:solidFill>
+                  <a:schemeClr val="tx1">
+                    <a:lumMod val="75000"/>
+                    <a:lumOff val="25000"/>
+                  </a:schemeClr>
+                </a:solidFill>
+                <a:latin typeface="微软雅黑" panose="020B0503020204020204" pitchFamily="34" charset="-122"/>
+                <a:ea typeface="微软雅黑" panose="020B0503020204020204" pitchFamily="34" charset="-122"/>
+              </a:rPr>
+              <a:t>          	</a:t>
+            </a:r>
+            <a:r>
+              <a:rPr lang="en-US" altLang="zh-CN" sz="1200" dirty="0" err="1" smtClean="0">
+                <a:solidFill>
+                  <a:schemeClr val="tx1">
+                    <a:lumMod val="75000"/>
+                    <a:lumOff val="25000"/>
+                  </a:schemeClr>
+                </a:solidFill>
+                <a:latin typeface="微软雅黑" panose="020B0503020204020204" pitchFamily="34" charset="-122"/>
+                <a:ea typeface="微软雅黑" panose="020B0503020204020204" pitchFamily="34" charset="-122"/>
+              </a:rPr>
+              <a:t>RequestMappingHandlerAdapter</a:t>
+            </a:r>
+            <a:endParaRPr lang="en-US" altLang="zh-CN" sz="1200" dirty="0" smtClean="0">
+              <a:solidFill>
+                <a:schemeClr val="tx1">
+                  <a:lumMod val="75000"/>
+                  <a:lumOff val="25000"/>
+                </a:schemeClr>
+              </a:solidFill>
+              <a:latin typeface="微软雅黑" panose="020B0503020204020204" pitchFamily="34" charset="-122"/>
+              <a:ea typeface="微软雅黑" panose="020B0503020204020204" pitchFamily="34" charset="-122"/>
+            </a:endParaRPr>
+          </a:p>
+          <a:p>
+            <a:r>
+              <a:rPr lang="en-US" altLang="zh-CN" sz="1200" dirty="0" smtClean="0">
+                <a:solidFill>
+                  <a:schemeClr val="tx1">
+                    <a:lumMod val="75000"/>
+                    <a:lumOff val="25000"/>
+                  </a:schemeClr>
+                </a:solidFill>
+                <a:latin typeface="微软雅黑" panose="020B0503020204020204" pitchFamily="34" charset="-122"/>
+                <a:ea typeface="微软雅黑" panose="020B0503020204020204" pitchFamily="34" charset="-122"/>
+              </a:rPr>
+              <a:t>          	</a:t>
+            </a:r>
+            <a:r>
+              <a:rPr lang="en-US" altLang="zh-CN" sz="1200" dirty="0" err="1" smtClean="0">
+                <a:solidFill>
+                  <a:schemeClr val="tx1">
+                    <a:lumMod val="75000"/>
+                    <a:lumOff val="25000"/>
+                  </a:schemeClr>
+                </a:solidFill>
+                <a:latin typeface="微软雅黑" panose="020B0503020204020204" pitchFamily="34" charset="-122"/>
+                <a:ea typeface="微软雅黑" panose="020B0503020204020204" pitchFamily="34" charset="-122"/>
+              </a:rPr>
+              <a:t>HandlerFunctionAdapter</a:t>
+            </a:r>
+            <a:r>
+              <a:rPr lang="en-US" altLang="zh-CN" sz="1200" dirty="0" smtClean="0">
+                <a:solidFill>
+                  <a:schemeClr val="tx1">
+                    <a:lumMod val="75000"/>
+                    <a:lumOff val="25000"/>
+                  </a:schemeClr>
+                </a:solidFill>
+                <a:latin typeface="微软雅黑" panose="020B0503020204020204" pitchFamily="34" charset="-122"/>
+                <a:ea typeface="微软雅黑" panose="020B0503020204020204" pitchFamily="34" charset="-122"/>
+              </a:rPr>
+              <a:t> </a:t>
+            </a:r>
+            <a:endParaRPr lang="en-US" altLang="zh-CN" sz="1200" dirty="0" smtClean="0">
+              <a:solidFill>
+                <a:schemeClr val="tx1">
+                  <a:lumMod val="75000"/>
+                  <a:lumOff val="25000"/>
+                </a:schemeClr>
+              </a:solidFill>
+              <a:latin typeface="微软雅黑" panose="020B0503020204020204" pitchFamily="34" charset="-122"/>
+              <a:ea typeface="微软雅黑" panose="020B0503020204020204" pitchFamily="34" charset="-122"/>
+            </a:endParaRPr>
+          </a:p>
+          <a:p>
+            <a:r>
+              <a:rPr lang="en-US" altLang="zh-CN" sz="1200" dirty="0" smtClean="0">
+                <a:solidFill>
+                  <a:schemeClr val="tx1">
+                    <a:lumMod val="75000"/>
+                    <a:lumOff val="25000"/>
+                  </a:schemeClr>
+                </a:solidFill>
+                <a:latin typeface="微软雅黑" panose="020B0503020204020204" pitchFamily="34" charset="-122"/>
+                <a:ea typeface="微软雅黑" panose="020B0503020204020204" pitchFamily="34" charset="-122"/>
+              </a:rPr>
+              <a:t>          	</a:t>
+            </a:r>
+            <a:r>
+              <a:rPr lang="en-US" altLang="zh-CN" sz="1200" dirty="0" err="1" smtClean="0">
+                <a:solidFill>
+                  <a:schemeClr val="tx1">
+                    <a:lumMod val="75000"/>
+                    <a:lumOff val="25000"/>
+                  </a:schemeClr>
+                </a:solidFill>
+                <a:latin typeface="微软雅黑" panose="020B0503020204020204" pitchFamily="34" charset="-122"/>
+                <a:ea typeface="微软雅黑" panose="020B0503020204020204" pitchFamily="34" charset="-122"/>
+              </a:rPr>
+              <a:t>SimpleHandlerAdapter</a:t>
+            </a:r>
+            <a:endParaRPr lang="en-US" altLang="zh-CN" sz="1200" dirty="0" smtClean="0">
+              <a:solidFill>
+                <a:schemeClr val="tx1">
+                  <a:lumMod val="75000"/>
+                  <a:lumOff val="25000"/>
+                </a:schemeClr>
+              </a:solidFill>
+              <a:latin typeface="微软雅黑" panose="020B0503020204020204" pitchFamily="34" charset="-122"/>
+              <a:ea typeface="微软雅黑" panose="020B0503020204020204" pitchFamily="34" charset="-122"/>
+            </a:endParaRPr>
+          </a:p>
+          <a:p>
+            <a:r>
+              <a:rPr lang="en-US" altLang="zh-CN" sz="1200" dirty="0" smtClean="0">
+                <a:solidFill>
+                  <a:schemeClr val="tx1">
+                    <a:lumMod val="75000"/>
+                    <a:lumOff val="25000"/>
+                  </a:schemeClr>
+                </a:solidFill>
+                <a:latin typeface="微软雅黑" panose="020B0503020204020204" pitchFamily="34" charset="-122"/>
+                <a:ea typeface="微软雅黑" panose="020B0503020204020204" pitchFamily="34" charset="-122"/>
+              </a:rPr>
+              <a:t>       </a:t>
+            </a:r>
+            <a:r>
+              <a:rPr lang="en-US" altLang="zh-CN" sz="1200" dirty="0" err="1" smtClean="0">
+                <a:solidFill>
+                  <a:schemeClr val="tx1">
+                    <a:lumMod val="75000"/>
+                    <a:lumOff val="25000"/>
+                  </a:schemeClr>
+                </a:solidFill>
+                <a:latin typeface="微软雅黑" panose="020B0503020204020204" pitchFamily="34" charset="-122"/>
+                <a:ea typeface="微软雅黑" panose="020B0503020204020204" pitchFamily="34" charset="-122"/>
+              </a:rPr>
+              <a:t>resultHandlers</a:t>
+            </a:r>
+            <a:endParaRPr lang="en-US" altLang="zh-CN" sz="1200" dirty="0" smtClean="0">
+              <a:solidFill>
+                <a:schemeClr val="tx1">
+                  <a:lumMod val="75000"/>
+                  <a:lumOff val="25000"/>
+                </a:schemeClr>
+              </a:solidFill>
+              <a:latin typeface="微软雅黑" panose="020B0503020204020204" pitchFamily="34" charset="-122"/>
+              <a:ea typeface="微软雅黑" panose="020B0503020204020204" pitchFamily="34" charset="-122"/>
+            </a:endParaRPr>
+          </a:p>
+          <a:p>
+            <a:r>
+              <a:rPr lang="en-US" altLang="zh-CN" sz="1200" dirty="0" smtClean="0">
+                <a:solidFill>
+                  <a:schemeClr val="tx1">
+                    <a:lumMod val="75000"/>
+                    <a:lumOff val="25000"/>
+                  </a:schemeClr>
+                </a:solidFill>
+                <a:latin typeface="微软雅黑" panose="020B0503020204020204" pitchFamily="34" charset="-122"/>
+                <a:ea typeface="微软雅黑" panose="020B0503020204020204" pitchFamily="34" charset="-122"/>
+              </a:rPr>
+              <a:t>          	</a:t>
+            </a:r>
+            <a:r>
+              <a:rPr lang="en-US" altLang="zh-CN" sz="1200" dirty="0" err="1" smtClean="0">
+                <a:solidFill>
+                  <a:schemeClr val="tx1">
+                    <a:lumMod val="75000"/>
+                    <a:lumOff val="25000"/>
+                  </a:schemeClr>
+                </a:solidFill>
+                <a:latin typeface="微软雅黑" panose="020B0503020204020204" pitchFamily="34" charset="-122"/>
+                <a:ea typeface="微软雅黑" panose="020B0503020204020204" pitchFamily="34" charset="-122"/>
+              </a:rPr>
+              <a:t>ResponseEntityResultHandler</a:t>
+            </a:r>
+            <a:endParaRPr lang="en-US" altLang="zh-CN" sz="1200" dirty="0" smtClean="0">
+              <a:solidFill>
+                <a:schemeClr val="tx1">
+                  <a:lumMod val="75000"/>
+                  <a:lumOff val="25000"/>
+                </a:schemeClr>
+              </a:solidFill>
+              <a:latin typeface="微软雅黑" panose="020B0503020204020204" pitchFamily="34" charset="-122"/>
+              <a:ea typeface="微软雅黑" panose="020B0503020204020204" pitchFamily="34" charset="-122"/>
+            </a:endParaRPr>
+          </a:p>
+          <a:p>
+            <a:r>
+              <a:rPr lang="en-US" altLang="zh-CN" sz="1200" dirty="0" smtClean="0">
+                <a:solidFill>
+                  <a:schemeClr val="tx1">
+                    <a:lumMod val="75000"/>
+                    <a:lumOff val="25000"/>
+                  </a:schemeClr>
+                </a:solidFill>
+                <a:latin typeface="微软雅黑" panose="020B0503020204020204" pitchFamily="34" charset="-122"/>
+                <a:ea typeface="微软雅黑" panose="020B0503020204020204" pitchFamily="34" charset="-122"/>
+              </a:rPr>
+              <a:t>          	</a:t>
+            </a:r>
+            <a:r>
+              <a:rPr lang="en-US" altLang="zh-CN" sz="1200" dirty="0" err="1" smtClean="0">
+                <a:solidFill>
+                  <a:schemeClr val="tx1">
+                    <a:lumMod val="75000"/>
+                    <a:lumOff val="25000"/>
+                  </a:schemeClr>
+                </a:solidFill>
+                <a:latin typeface="微软雅黑" panose="020B0503020204020204" pitchFamily="34" charset="-122"/>
+                <a:ea typeface="微软雅黑" panose="020B0503020204020204" pitchFamily="34" charset="-122"/>
+              </a:rPr>
+              <a:t>ServerResponseResultHandler</a:t>
+            </a:r>
+            <a:endParaRPr lang="en-US" altLang="zh-CN" sz="1200" dirty="0" smtClean="0">
+              <a:solidFill>
+                <a:schemeClr val="tx1">
+                  <a:lumMod val="75000"/>
+                  <a:lumOff val="25000"/>
+                </a:schemeClr>
+              </a:solidFill>
+              <a:latin typeface="微软雅黑" panose="020B0503020204020204" pitchFamily="34" charset="-122"/>
+              <a:ea typeface="微软雅黑" panose="020B0503020204020204" pitchFamily="34" charset="-122"/>
+            </a:endParaRPr>
+          </a:p>
+          <a:p>
+            <a:r>
+              <a:rPr lang="en-US" altLang="zh-CN" sz="1200" dirty="0" smtClean="0">
+                <a:solidFill>
+                  <a:schemeClr val="tx1">
+                    <a:lumMod val="75000"/>
+                    <a:lumOff val="25000"/>
+                  </a:schemeClr>
+                </a:solidFill>
+                <a:latin typeface="微软雅黑" panose="020B0503020204020204" pitchFamily="34" charset="-122"/>
+                <a:ea typeface="微软雅黑" panose="020B0503020204020204" pitchFamily="34" charset="-122"/>
+              </a:rPr>
+              <a:t>          	</a:t>
+            </a:r>
+            <a:r>
+              <a:rPr lang="en-US" altLang="zh-CN" sz="1200" dirty="0" err="1" smtClean="0">
+                <a:solidFill>
+                  <a:schemeClr val="tx1">
+                    <a:lumMod val="75000"/>
+                    <a:lumOff val="25000"/>
+                  </a:schemeClr>
+                </a:solidFill>
+                <a:latin typeface="微软雅黑" panose="020B0503020204020204" pitchFamily="34" charset="-122"/>
+                <a:ea typeface="微软雅黑" panose="020B0503020204020204" pitchFamily="34" charset="-122"/>
+              </a:rPr>
+              <a:t>ResponseBodyResultHandler</a:t>
+            </a:r>
+            <a:endParaRPr lang="en-US" altLang="zh-CN" sz="1200" dirty="0" smtClean="0">
+              <a:solidFill>
+                <a:schemeClr val="tx1">
+                  <a:lumMod val="75000"/>
+                  <a:lumOff val="25000"/>
+                </a:schemeClr>
+              </a:solidFill>
+              <a:latin typeface="微软雅黑" panose="020B0503020204020204" pitchFamily="34" charset="-122"/>
+              <a:ea typeface="微软雅黑" panose="020B0503020204020204" pitchFamily="34" charset="-122"/>
+            </a:endParaRPr>
+          </a:p>
+          <a:p>
+            <a:r>
+              <a:rPr lang="en-US" altLang="zh-CN" sz="1200" dirty="0" smtClean="0">
+                <a:solidFill>
+                  <a:schemeClr val="tx1">
+                    <a:lumMod val="75000"/>
+                    <a:lumOff val="25000"/>
+                  </a:schemeClr>
+                </a:solidFill>
+                <a:latin typeface="微软雅黑" panose="020B0503020204020204" pitchFamily="34" charset="-122"/>
+                <a:ea typeface="微软雅黑" panose="020B0503020204020204" pitchFamily="34" charset="-122"/>
+              </a:rPr>
+              <a:t>          	</a:t>
+            </a:r>
+            <a:r>
+              <a:rPr lang="en-US" altLang="zh-CN" sz="1200" dirty="0" err="1" smtClean="0">
+                <a:solidFill>
+                  <a:schemeClr val="tx1">
+                    <a:lumMod val="75000"/>
+                    <a:lumOff val="25000"/>
+                  </a:schemeClr>
+                </a:solidFill>
+                <a:latin typeface="微软雅黑" panose="020B0503020204020204" pitchFamily="34" charset="-122"/>
+                <a:ea typeface="微软雅黑" panose="020B0503020204020204" pitchFamily="34" charset="-122"/>
+              </a:rPr>
+              <a:t>ViewResolutionResultHandler</a:t>
+            </a:r>
+            <a:endParaRPr lang="en-US" altLang="zh-CN" sz="1200" dirty="0" smtClean="0">
+              <a:solidFill>
+                <a:schemeClr val="tx1">
+                  <a:lumMod val="75000"/>
+                  <a:lumOff val="25000"/>
+                </a:schemeClr>
+              </a:solidFill>
+              <a:latin typeface="微软雅黑" panose="020B0503020204020204" pitchFamily="34" charset="-122"/>
+              <a:ea typeface="微软雅黑" panose="020B0503020204020204" pitchFamily="34" charset="-122"/>
+            </a:endParaRPr>
+          </a:p>
+          <a:p>
+            <a:endParaRPr lang="en-US" altLang="zh-CN" sz="1200" dirty="0" smtClean="0">
+              <a:solidFill>
+                <a:schemeClr val="tx1">
+                  <a:lumMod val="75000"/>
+                  <a:lumOff val="25000"/>
+                </a:schemeClr>
+              </a:solidFill>
+              <a:latin typeface="微软雅黑" panose="020B0503020204020204" pitchFamily="34" charset="-122"/>
+              <a:ea typeface="微软雅黑" panose="020B0503020204020204" pitchFamily="34" charset="-122"/>
+            </a:endParaRPr>
+          </a:p>
+          <a:p>
+            <a:endParaRPr lang="en-US" altLang="zh-CN" sz="1200" dirty="0">
+              <a:solidFill>
+                <a:schemeClr val="tx1">
+                  <a:lumMod val="75000"/>
+                  <a:lumOff val="25000"/>
+                </a:schemeClr>
+              </a:solidFill>
+              <a:latin typeface="微软雅黑" panose="020B0503020204020204" pitchFamily="34" charset="-122"/>
+              <a:ea typeface="微软雅黑" panose="020B0503020204020204" pitchFamily="34" charset="-122"/>
+            </a:endParaRPr>
+          </a:p>
+          <a:p>
+            <a:endParaRPr lang="en-US" altLang="zh-CN" sz="1200" dirty="0" smtClean="0">
+              <a:solidFill>
+                <a:schemeClr val="tx1">
+                  <a:lumMod val="75000"/>
+                  <a:lumOff val="25000"/>
+                </a:schemeClr>
+              </a:solidFill>
+              <a:latin typeface="微软雅黑" panose="020B0503020204020204" pitchFamily="34" charset="-122"/>
+              <a:ea typeface="微软雅黑" panose="020B0503020204020204" pitchFamily="34" charset="-122"/>
+            </a:endParaRPr>
+          </a:p>
+          <a:p>
+            <a:endParaRPr lang="zh-CN" altLang="en-US" sz="1200" dirty="0" smtClean="0">
+              <a:solidFill>
+                <a:schemeClr val="tx1">
+                  <a:lumMod val="75000"/>
+                  <a:lumOff val="25000"/>
+                </a:schemeClr>
+              </a:solidFill>
+              <a:latin typeface="微软雅黑" panose="020B0503020204020204" pitchFamily="34" charset="-122"/>
+              <a:ea typeface="微软雅黑" panose="020B0503020204020204" pitchFamily="34" charset="-122"/>
+            </a:endParaRPr>
+          </a:p>
+        </p:txBody>
+      </p:sp>
+    </p:spTree>
+  </p:cSld>
+  <p:clrMapOvr>
+    <a:masterClrMapping/>
+  </p:clrMapOvr>
+  <p:transition spd="slow" advClick="0" advTm="0">
+    <p:cover/>
+  </p:transition>
+</p:sld>
+</file>
+
+<file path=ppt/slides/slide34.xml><?xml version="1.0" encoding="utf-8"?>
 <p:sld xmlns:a="http://schemas.openxmlformats.org/drawingml/2006/main" xmlns:r="http://schemas.openxmlformats.org/officeDocument/2006/relationships" xmlns:p="http://schemas.openxmlformats.org/presentationml/2006/main">
   <p:cSld>
     <p:spTree>
@@ -19317,13 +20717,13 @@
   <p:clrMapOvr>
     <a:masterClrMapping/>
   </p:clrMapOvr>
-  <mc:AlternateContent xmlns:mc="http://schemas.openxmlformats.org/markup-compatibility/2006" xmlns:p14="http://schemas.microsoft.com/office/powerpoint/2010/main">
-    <mc:Choice Requires="p14">
+  <mc:AlternateContent xmlns:mc="http://schemas.openxmlformats.org/markup-compatibility/2006">
+    <mc:Choice xmlns:p14="http://schemas.microsoft.com/office/powerpoint/2010/main" Requires="p14">
       <p:transition spd="med" p14:dur="700" advClick="0" advTm="0">
         <p:fade/>
       </p:transition>
     </mc:Choice>
-    <mc:Fallback xmlns="">
+    <mc:Fallback>
       <p:transition spd="med" advClick="0" advTm="0">
         <p:fade/>
       </p:transition>
@@ -22099,7 +23499,7 @@
           <p:nvPr/>
         </p:nvPicPr>
         <p:blipFill>
-          <a:blip r:embed="rId3"/>
+          <a:blip r:embed="rId1"/>
           <a:stretch>
             <a:fillRect/>
           </a:stretch>
@@ -23052,7 +24452,7 @@
             <p:nvPr/>
           </p:nvPicPr>
           <p:blipFill>
-            <a:blip r:embed="rId3"/>
+            <a:blip r:embed="rId1"/>
             <a:stretch>
               <a:fillRect/>
             </a:stretch>
@@ -23346,7 +24746,7 @@
                   <a:latin typeface="Calibri" panose="020F0502020204030204" pitchFamily="34" charset="0"/>
                   <a:ea typeface="Calibri" panose="020F0502020204030204" pitchFamily="34" charset="0"/>
                   <a:cs typeface="Calibri" panose="020F0502020204030204" pitchFamily="34" charset="0"/>
-                  <a:hlinkClick r:id="rId4"/>
+                  <a:hlinkClick r:id="rId2"/>
                 </a:rPr>
                 <a:t> </a:t>
               </a:r>
@@ -24233,21 +25633,6 @@
               <a:buFontTx/>
               <a:buNone/>
             </a:pPr>
-            <a:r>
-              <a:rPr kumimoji="0" lang="zh-CN" altLang="zh-CN" sz="1100" b="0" i="0" u="none" strike="noStrike" cap="none" normalizeH="0" baseline="0" smtClean="0">
-                <a:ln>
-                  <a:noFill/>
-                </a:ln>
-                <a:solidFill>
-                  <a:srgbClr val="000000"/>
-                </a:solidFill>
-                <a:effectLst/>
-                <a:latin typeface="Arial" panose="020B0604020202020204" pitchFamily="34" charset="0"/>
-                <a:ea typeface="Calibri" panose="020F0502020204030204" pitchFamily="34" charset="0"/>
-                <a:cs typeface="Calibri" panose="020F0502020204030204" pitchFamily="34" charset="0"/>
-              </a:rPr>
-              <a:t/>
-            </a:r>
             <a:br>
               <a:rPr kumimoji="0" lang="zh-CN" altLang="zh-CN" sz="1100" b="0" i="0" u="none" strike="noStrike" cap="none" normalizeH="0" baseline="0" smtClean="0">
                 <a:ln>
@@ -24262,21 +25647,6 @@
                 <a:cs typeface="Calibri" panose="020F0502020204030204" pitchFamily="34" charset="0"/>
               </a:rPr>
             </a:br>
-            <a:r>
-              <a:rPr kumimoji="0" lang="en-US" altLang="zh-CN" sz="1100" b="0" i="0" u="none" strike="noStrike" cap="none" normalizeH="0" baseline="0" smtClean="0">
-                <a:ln>
-                  <a:noFill/>
-                </a:ln>
-                <a:solidFill>
-                  <a:srgbClr val="000000"/>
-                </a:solidFill>
-                <a:effectLst/>
-                <a:latin typeface="Arial" panose="020B0604020202020204" pitchFamily="34" charset="0"/>
-                <a:ea typeface="Calibri" panose="020F0502020204030204" pitchFamily="34" charset="0"/>
-                <a:cs typeface="Calibri" panose="020F0502020204030204" pitchFamily="34" charset="0"/>
-              </a:rPr>
-              <a:t/>
-            </a:r>
             <a:br>
               <a:rPr kumimoji="0" lang="en-US" altLang="zh-CN" sz="1100" b="0" i="0" u="none" strike="noStrike" cap="none" normalizeH="0" baseline="0" smtClean="0">
                 <a:ln>
@@ -24478,7 +25848,7 @@
           <p:nvPr/>
         </p:nvPicPr>
         <p:blipFill>
-          <a:blip r:embed="rId3"/>
+          <a:blip r:embed="rId1"/>
           <a:stretch>
             <a:fillRect/>
           </a:stretch>
@@ -25328,6 +26698,18 @@
               <a:t>  </a:t>
             </a:r>
+            <a:endParaRPr kumimoji="0" lang="en-US" altLang="zh-CN" sz="1600" b="0" i="0" u="none" strike="noStrike" cap="none" normalizeH="0" baseline="0" dirty="0" smtClean="0">
+              <a:ln>
+                <a:noFill/>
+              </a:ln>
+              <a:solidFill>
+                <a:srgbClr val="B7C3D0"/>
+              </a:solidFill>
+              <a:effectLst/>
+              <a:latin typeface="Arial" panose="020B0604020202020204" pitchFamily="34" charset="0"/>
+              <a:ea typeface="Calibri" panose="020F0502020204030204" pitchFamily="34" charset="0"/>
+              <a:cs typeface="Calibri" panose="020F0502020204030204" pitchFamily="34" charset="0"/>
+            </a:endParaRPr>
           </a:p>
           <a:p>
             <a:pPr lvl="0"/>
@@ -25666,7 +27048,7 @@
           <p:nvPr/>
         </p:nvPicPr>
         <p:blipFill>
-          <a:blip r:embed="rId3"/>
+          <a:blip r:embed="rId1"/>
           <a:stretch>
             <a:fillRect/>
           </a:stretch>
@@ -25994,7 +27376,6 @@
       </a:lstStyle>
     </a:txDef>
   </a:objectDefaults>
-  <a:extraClrSchemeLst/>
   <a:extLst>
     <a:ext uri="{05A4C25C-085E-4340-85A3-A5531E510DB2}">
       <thm15:themeFamily xmlns:thm15="http://schemas.microsoft.com/office/thememl/2012/main" name="Office Theme" id="{62F939B6-93AF-4DB8-9C6B-D6C7DFDC589F}" vid="{4A3C46E8-61CC-4603-A589-7422A47A8E4A}"/>
@@ -26283,8 +27664,6 @@
       </a:bgFillStyleLst>
     </a:fmtScheme>
   </a:themeElements>
-  <a:objectDefaults/>
-  <a:extraClrSchemeLst/>
   <a:extLst>
     <a:ext uri="{05A4C25C-085E-4340-85A3-A5531E510DB2}">
       <thm15:themeFamily xmlns:thm15="http://schemas.microsoft.com/office/thememl/2012/main" name="Office Theme" id="{62F939B6-93AF-4DB8-9C6B-D6C7DFDC589F}" vid="{4A3C46E8-61CC-4603-A589-7422A47A8E4A}"/>
@@ -26573,8 +27952,6 @@
       </a:bgFillStyleLst>
     </a:fmtScheme>
   </a:themeElements>
-  <a:objectDefaults/>
-  <a:extraClrSchemeLst/>
   <a:extLst>
     <a:ext uri="{05A4C25C-085E-4340-85A3-A5531E510DB2}">
       <thm15:themeFamily xmlns:thm15="http://schemas.microsoft.com/office/thememl/2012/main" name="Office Theme" id="{62F939B6-93AF-4DB8-9C6B-D6C7DFDC589F}" vid="{4A3C46E8-61CC-4603-A589-7422A47A8E4A}"/>
